--- a/presentation.pptx
+++ b/presentation.pptx
@@ -5,7 +5,7 @@
     <p:sldMasterId id="2147483659" r:id="rId1"/>
   </p:sldMasterIdLst>
   <p:notesMasterIdLst>
-    <p:notesMasterId r:id="rId16"/>
+    <p:notesMasterId r:id="rId18"/>
   </p:notesMasterIdLst>
   <p:sldIdLst>
     <p:sldId id="256" r:id="rId2"/>
@@ -13,32 +13,34 @@
     <p:sldId id="258" r:id="rId4"/>
     <p:sldId id="259" r:id="rId5"/>
     <p:sldId id="260" r:id="rId6"/>
-    <p:sldId id="261" r:id="rId7"/>
-    <p:sldId id="262" r:id="rId8"/>
-    <p:sldId id="268" r:id="rId9"/>
-    <p:sldId id="263" r:id="rId10"/>
-    <p:sldId id="269" r:id="rId11"/>
-    <p:sldId id="264" r:id="rId12"/>
-    <p:sldId id="265" r:id="rId13"/>
-    <p:sldId id="266" r:id="rId14"/>
-    <p:sldId id="267" r:id="rId15"/>
+    <p:sldId id="271" r:id="rId7"/>
+    <p:sldId id="261" r:id="rId8"/>
+    <p:sldId id="262" r:id="rId9"/>
+    <p:sldId id="268" r:id="rId10"/>
+    <p:sldId id="263" r:id="rId11"/>
+    <p:sldId id="269" r:id="rId12"/>
+    <p:sldId id="264" r:id="rId13"/>
+    <p:sldId id="265" r:id="rId14"/>
+    <p:sldId id="266" r:id="rId15"/>
+    <p:sldId id="267" r:id="rId16"/>
+    <p:sldId id="270" r:id="rId17"/>
   </p:sldIdLst>
   <p:sldSz cx="9144000" cy="5143500" type="screen16x9"/>
   <p:notesSz cx="6858000" cy="9144000"/>
   <p:embeddedFontLst>
     <p:embeddedFont>
       <p:font typeface="Economica" panose="020B0604020202020204" charset="0"/>
-      <p:regular r:id="rId17"/>
-      <p:bold r:id="rId18"/>
-      <p:italic r:id="rId19"/>
-      <p:boldItalic r:id="rId20"/>
+      <p:regular r:id="rId19"/>
+      <p:bold r:id="rId20"/>
+      <p:italic r:id="rId21"/>
+      <p:boldItalic r:id="rId22"/>
     </p:embeddedFont>
     <p:embeddedFont>
       <p:font typeface="Open Sans" panose="020B0606030504020204" pitchFamily="34" charset="0"/>
-      <p:regular r:id="rId21"/>
-      <p:bold r:id="rId22"/>
-      <p:italic r:id="rId23"/>
-      <p:boldItalic r:id="rId24"/>
+      <p:regular r:id="rId23"/>
+      <p:bold r:id="rId24"/>
+      <p:italic r:id="rId25"/>
+      <p:boldItalic r:id="rId26"/>
     </p:embeddedFont>
   </p:embeddedFontLst>
   <p:defaultTextStyle>
@@ -822,7 +824,181 @@
               </a:spcAft>
               <a:buNone/>
             </a:pPr>
-            <a:endParaRPr/>
+            <a:r>
+              <a:rPr lang="ru-RU" dirty="0" err="1"/>
+              <a:t>Добрий</a:t>
+            </a:r>
+            <a:r>
+              <a:rPr lang="ru-RU" dirty="0"/>
+              <a:t> день, </a:t>
+            </a:r>
+            <a:r>
+              <a:rPr lang="ru-RU" dirty="0" err="1"/>
+              <a:t>шановна</a:t>
+            </a:r>
+            <a:r>
+              <a:rPr lang="ru-RU" dirty="0"/>
+              <a:t> </a:t>
+            </a:r>
+            <a:r>
+              <a:rPr lang="ru-RU" dirty="0" err="1"/>
+              <a:t>комісіє</a:t>
+            </a:r>
+            <a:r>
+              <a:rPr lang="ru-RU" dirty="0"/>
+              <a:t>. </a:t>
+            </a:r>
+          </a:p>
+          <a:p>
+            <a:pPr marL="0" lvl="0" indent="0" algn="l" rtl="0">
+              <a:spcBef>
+                <a:spcPts val="0"/>
+              </a:spcBef>
+              <a:spcAft>
+                <a:spcPts val="0"/>
+              </a:spcAft>
+              <a:buNone/>
+            </a:pPr>
+            <a:r>
+              <a:rPr lang="ru-RU" dirty="0"/>
+              <a:t>Мене </a:t>
+            </a:r>
+            <a:r>
+              <a:rPr lang="ru-RU" dirty="0" err="1"/>
+              <a:t>звати</a:t>
+            </a:r>
+            <a:r>
+              <a:rPr lang="ru-RU" dirty="0"/>
+              <a:t> </a:t>
+            </a:r>
+            <a:r>
+              <a:rPr lang="ru-RU" dirty="0" err="1"/>
+              <a:t>Ілля</a:t>
+            </a:r>
+            <a:r>
+              <a:rPr lang="ru-RU" dirty="0"/>
+              <a:t> Терещенко, я студент </a:t>
+            </a:r>
+            <a:r>
+              <a:rPr lang="ru-RU" dirty="0" err="1"/>
+              <a:t>групи</a:t>
+            </a:r>
+            <a:r>
+              <a:rPr lang="ru-RU" dirty="0"/>
+              <a:t> ІПЗм-23-2.</a:t>
+            </a:r>
+          </a:p>
+          <a:p>
+            <a:pPr marL="0" lvl="0" indent="0" algn="l" rtl="0">
+              <a:spcBef>
+                <a:spcPts val="0"/>
+              </a:spcBef>
+              <a:spcAft>
+                <a:spcPts val="0"/>
+              </a:spcAft>
+              <a:buNone/>
+            </a:pPr>
+            <a:r>
+              <a:rPr lang="ru-RU" dirty="0"/>
+              <a:t> </a:t>
+            </a:r>
+            <a:r>
+              <a:rPr lang="ru-RU" dirty="0" err="1"/>
+              <a:t>Вашій</a:t>
+            </a:r>
+            <a:r>
+              <a:rPr lang="ru-RU" dirty="0"/>
+              <a:t> </a:t>
+            </a:r>
+            <a:r>
+              <a:rPr lang="ru-RU" dirty="0" err="1"/>
+              <a:t>увазі</a:t>
+            </a:r>
+            <a:r>
+              <a:rPr lang="ru-RU" dirty="0"/>
+              <a:t> </a:t>
+            </a:r>
+            <a:r>
+              <a:rPr lang="ru-RU" dirty="0" err="1"/>
+              <a:t>пропоную</a:t>
+            </a:r>
+            <a:r>
+              <a:rPr lang="ru-RU" dirty="0"/>
+              <a:t> </a:t>
+            </a:r>
+            <a:r>
+              <a:rPr lang="ru-RU" dirty="0" err="1"/>
+              <a:t>кваліфікаційну</a:t>
+            </a:r>
+            <a:r>
+              <a:rPr lang="ru-RU" dirty="0"/>
+              <a:t> роботу на тему «</a:t>
+            </a:r>
+            <a:r>
+              <a:rPr lang="ru-RU" dirty="0" err="1"/>
+              <a:t>Дослідження</a:t>
+            </a:r>
+            <a:r>
+              <a:rPr lang="ru-RU" dirty="0"/>
+              <a:t> </a:t>
+            </a:r>
+            <a:r>
+              <a:rPr lang="ru-RU" dirty="0" err="1"/>
+              <a:t>методів</a:t>
+            </a:r>
+            <a:r>
+              <a:rPr lang="ru-RU" dirty="0"/>
+              <a:t> та моделей адаптивного </a:t>
+            </a:r>
+            <a:r>
+              <a:rPr lang="ru-RU" dirty="0" err="1"/>
+              <a:t>навчання</a:t>
+            </a:r>
+            <a:r>
+              <a:rPr lang="ru-RU" dirty="0"/>
+              <a:t> для </a:t>
+            </a:r>
+            <a:r>
+              <a:rPr lang="ru-RU" dirty="0" err="1"/>
+              <a:t>вивчення</a:t>
+            </a:r>
+            <a:r>
+              <a:rPr lang="ru-RU" dirty="0"/>
+              <a:t> </a:t>
+            </a:r>
+            <a:r>
+              <a:rPr lang="ru-RU" dirty="0" err="1"/>
+              <a:t>інформаційних</a:t>
+            </a:r>
+            <a:r>
+              <a:rPr lang="ru-RU" dirty="0"/>
+              <a:t> </a:t>
+            </a:r>
+            <a:r>
+              <a:rPr lang="ru-RU" dirty="0" err="1"/>
+              <a:t>технологій</a:t>
+            </a:r>
+            <a:r>
+              <a:rPr lang="ru-RU" dirty="0"/>
+              <a:t>. </a:t>
+            </a:r>
+            <a:r>
+              <a:rPr lang="ru-RU" dirty="0" err="1"/>
+              <a:t>Побудова</a:t>
+            </a:r>
+            <a:r>
+              <a:rPr lang="ru-RU" dirty="0"/>
+              <a:t> плану </a:t>
+            </a:r>
+            <a:r>
+              <a:rPr lang="ru-RU" dirty="0" err="1"/>
+              <a:t>розвитку</a:t>
+            </a:r>
+            <a:r>
+              <a:rPr lang="ru-RU" dirty="0"/>
+              <a:t>». </a:t>
+            </a:r>
+            <a:endParaRPr dirty="0"/>
           </a:p>
         </p:txBody>
       </p:sp>
@@ -835,6 +1011,352 @@
 </file>
 
 <file path=ppt/notesSlides/notesSlide10.xml><?xml version="1.0" encoding="utf-8"?>
+<p:notes xmlns:a="http://schemas.openxmlformats.org/drawingml/2006/main" xmlns:r="http://schemas.openxmlformats.org/officeDocument/2006/relationships" xmlns:p="http://schemas.openxmlformats.org/presentationml/2006/main" showMasterSp="0" showMasterPhAnim="0">
+  <p:cSld>
+    <p:spTree>
+      <p:nvGrpSpPr>
+        <p:cNvPr id="1" name="Shape 109"/>
+        <p:cNvGrpSpPr/>
+        <p:nvPr/>
+      </p:nvGrpSpPr>
+      <p:grpSpPr>
+        <a:xfrm>
+          <a:off x="0" y="0"/>
+          <a:ext cx="0" cy="0"/>
+          <a:chOff x="0" y="0"/>
+          <a:chExt cx="0" cy="0"/>
+        </a:xfrm>
+      </p:grpSpPr>
+      <p:sp>
+        <p:nvSpPr>
+          <p:cNvPr id="110" name="Google Shape;110;g2e16b2adad1_0_30:notes"/>
+          <p:cNvSpPr>
+            <a:spLocks noGrp="1" noRot="1" noChangeAspect="1"/>
+          </p:cNvSpPr>
+          <p:nvPr>
+            <p:ph type="sldImg" idx="2"/>
+          </p:nvPr>
+        </p:nvSpPr>
+        <p:spPr>
+          <a:xfrm>
+            <a:off x="381000" y="685800"/>
+            <a:ext cx="6096000" cy="3429000"/>
+          </a:xfrm>
+          <a:custGeom>
+            <a:avLst/>
+            <a:gdLst/>
+            <a:ahLst/>
+            <a:cxnLst/>
+            <a:rect l="l" t="t" r="r" b="b"/>
+            <a:pathLst>
+              <a:path w="120000" h="120000" extrusionOk="0">
+                <a:moveTo>
+                  <a:pt x="0" y="0"/>
+                </a:moveTo>
+                <a:lnTo>
+                  <a:pt x="120000" y="0"/>
+                </a:lnTo>
+                <a:lnTo>
+                  <a:pt x="120000" y="120000"/>
+                </a:lnTo>
+                <a:lnTo>
+                  <a:pt x="0" y="120000"/>
+                </a:lnTo>
+                <a:close/>
+              </a:path>
+            </a:pathLst>
+          </a:custGeom>
+        </p:spPr>
+      </p:sp>
+      <p:sp>
+        <p:nvSpPr>
+          <p:cNvPr id="111" name="Google Shape;111;g2e16b2adad1_0_30:notes"/>
+          <p:cNvSpPr txBox="1">
+            <a:spLocks noGrp="1"/>
+          </p:cNvSpPr>
+          <p:nvPr>
+            <p:ph type="body" idx="1"/>
+          </p:nvPr>
+        </p:nvSpPr>
+        <p:spPr>
+          <a:xfrm>
+            <a:off x="685800" y="4343400"/>
+            <a:ext cx="5486400" cy="4114800"/>
+          </a:xfrm>
+          <a:prstGeom prst="rect">
+            <a:avLst/>
+          </a:prstGeom>
+        </p:spPr>
+        <p:txBody>
+          <a:bodyPr spcFirstLastPara="1" wrap="square" lIns="91425" tIns="91425" rIns="91425" bIns="91425" anchor="t" anchorCtr="0">
+            <a:noAutofit/>
+          </a:bodyPr>
+          <a:lstStyle/>
+          <a:p>
+            <a:pPr marL="0" lvl="0" indent="0" algn="l" rtl="0">
+              <a:spcBef>
+                <a:spcPts val="0"/>
+              </a:spcBef>
+              <a:spcAft>
+                <a:spcPts val="0"/>
+              </a:spcAft>
+              <a:buNone/>
+            </a:pPr>
+            <a:r>
+              <a:rPr lang="uk-UA" dirty="0"/>
+              <a:t>М</a:t>
+            </a:r>
+            <a:r>
+              <a:rPr lang="ru-RU" dirty="0" err="1"/>
+              <a:t>етою</a:t>
+            </a:r>
+            <a:r>
+              <a:rPr lang="ru-RU" dirty="0"/>
+              <a:t> </a:t>
+            </a:r>
+            <a:r>
+              <a:rPr lang="ru-RU" dirty="0" err="1"/>
+              <a:t>експерименту</a:t>
+            </a:r>
+            <a:r>
+              <a:rPr lang="ru-RU" dirty="0"/>
+              <a:t> </a:t>
+            </a:r>
+            <a:r>
+              <a:rPr lang="ru-RU" dirty="0" err="1"/>
+              <a:t>було</a:t>
+            </a:r>
+            <a:r>
+              <a:rPr lang="ru-RU" dirty="0"/>
+              <a:t> </a:t>
+            </a:r>
+            <a:r>
+              <a:rPr lang="ru-RU" dirty="0" err="1"/>
+              <a:t>порівняння</a:t>
+            </a:r>
+            <a:r>
+              <a:rPr lang="ru-RU" dirty="0"/>
+              <a:t> 4 </a:t>
+            </a:r>
+            <a:r>
+              <a:rPr lang="en-GB" dirty="0"/>
+              <a:t>LLM: GPT-4o, GPT-4o-mini, GPT-3turbo </a:t>
+            </a:r>
+            <a:r>
+              <a:rPr lang="ru-RU" dirty="0"/>
+              <a:t>і </a:t>
+            </a:r>
+            <a:r>
+              <a:rPr lang="en-GB" dirty="0"/>
+              <a:t>GPT-o3-mini. </a:t>
+            </a:r>
+            <a:endParaRPr lang="uk-UA" dirty="0"/>
+          </a:p>
+          <a:p>
+            <a:pPr marL="0" lvl="0" indent="0" algn="l" rtl="0">
+              <a:spcBef>
+                <a:spcPts val="0"/>
+              </a:spcBef>
+              <a:spcAft>
+                <a:spcPts val="0"/>
+              </a:spcAft>
+              <a:buNone/>
+            </a:pPr>
+            <a:r>
+              <a:rPr lang="ru-RU" dirty="0" err="1"/>
+              <a:t>Вхідні</a:t>
+            </a:r>
+            <a:r>
+              <a:rPr lang="ru-RU" dirty="0"/>
+              <a:t> </a:t>
+            </a:r>
+            <a:r>
+              <a:rPr lang="ru-RU" dirty="0" err="1"/>
+              <a:t>дані</a:t>
+            </a:r>
+            <a:r>
+              <a:rPr lang="ru-RU" dirty="0"/>
+              <a:t> — </a:t>
+            </a:r>
+            <a:r>
+              <a:rPr lang="ru-RU" dirty="0" err="1"/>
+              <a:t>профіль</a:t>
+            </a:r>
+            <a:r>
+              <a:rPr lang="ru-RU" dirty="0"/>
+              <a:t> </a:t>
+            </a:r>
+            <a:r>
+              <a:rPr lang="ru-RU" dirty="0" err="1"/>
+              <a:t>користувача</a:t>
+            </a:r>
+            <a:r>
+              <a:rPr lang="ru-RU" dirty="0"/>
+              <a:t>. </a:t>
+            </a:r>
+          </a:p>
+          <a:p>
+            <a:pPr marL="0" lvl="0" indent="0" algn="l" rtl="0">
+              <a:spcBef>
+                <a:spcPts val="0"/>
+              </a:spcBef>
+              <a:spcAft>
+                <a:spcPts val="0"/>
+              </a:spcAft>
+              <a:buNone/>
+            </a:pPr>
+            <a:r>
+              <a:rPr lang="ru-RU" dirty="0" err="1"/>
+              <a:t>Моделі</a:t>
+            </a:r>
+            <a:r>
+              <a:rPr lang="ru-RU" dirty="0"/>
+              <a:t> </a:t>
+            </a:r>
+            <a:r>
+              <a:rPr lang="ru-RU" dirty="0" err="1"/>
+              <a:t>генерували</a:t>
+            </a:r>
+            <a:r>
+              <a:rPr lang="ru-RU" dirty="0"/>
+              <a:t> </a:t>
+            </a:r>
+            <a:r>
+              <a:rPr lang="ru-RU" dirty="0" err="1"/>
+              <a:t>навчальний</a:t>
+            </a:r>
+            <a:r>
+              <a:rPr lang="ru-RU" dirty="0"/>
+              <a:t> план, </a:t>
+            </a:r>
+            <a:r>
+              <a:rPr lang="ru-RU" dirty="0" err="1"/>
+              <a:t>який</a:t>
+            </a:r>
+            <a:r>
+              <a:rPr lang="ru-RU" dirty="0"/>
+              <a:t> </a:t>
+            </a:r>
+            <a:r>
+              <a:rPr lang="ru-RU" dirty="0" err="1"/>
+              <a:t>потім</a:t>
+            </a:r>
+            <a:r>
+              <a:rPr lang="ru-RU" dirty="0"/>
+              <a:t> </a:t>
+            </a:r>
+            <a:r>
+              <a:rPr lang="ru-RU" dirty="0" err="1"/>
+              <a:t>оцінювався</a:t>
+            </a:r>
+            <a:r>
+              <a:rPr lang="ru-RU" dirty="0"/>
+              <a:t> за </a:t>
+            </a:r>
+            <a:r>
+              <a:rPr lang="ru-RU" dirty="0" err="1"/>
+              <a:t>однаковими</a:t>
+            </a:r>
+            <a:r>
+              <a:rPr lang="ru-RU" dirty="0"/>
+              <a:t> </a:t>
+            </a:r>
+            <a:r>
+              <a:rPr lang="ru-RU" dirty="0" err="1"/>
+              <a:t>критеріями</a:t>
+            </a:r>
+            <a:r>
+              <a:rPr lang="ru-RU" dirty="0"/>
+              <a:t>.</a:t>
+            </a:r>
+          </a:p>
+          <a:p>
+            <a:pPr marL="0" lvl="0" indent="0" algn="l" rtl="0">
+              <a:spcBef>
+                <a:spcPts val="0"/>
+              </a:spcBef>
+              <a:spcAft>
+                <a:spcPts val="0"/>
+              </a:spcAft>
+              <a:buNone/>
+            </a:pPr>
+            <a:endParaRPr lang="ru-RU" dirty="0"/>
+          </a:p>
+          <a:p>
+            <a:pPr marL="0" lvl="0" indent="0" algn="l" rtl="0">
+              <a:spcBef>
+                <a:spcPts val="0"/>
+              </a:spcBef>
+              <a:spcAft>
+                <a:spcPts val="0"/>
+              </a:spcAft>
+              <a:buNone/>
+            </a:pPr>
+            <a:r>
+              <a:rPr lang="en-GB" dirty="0"/>
+              <a:t>Notes:</a:t>
+            </a:r>
+            <a:r>
+              <a:rPr lang="ru-RU" dirty="0" err="1"/>
+              <a:t>Єдиний</a:t>
+            </a:r>
+            <a:r>
+              <a:rPr lang="ru-RU" dirty="0"/>
+              <a:t> </a:t>
+            </a:r>
+            <a:r>
+              <a:rPr lang="ru-RU" dirty="0" err="1"/>
+              <a:t>вхід</a:t>
+            </a:r>
+            <a:r>
+              <a:rPr lang="ru-RU" dirty="0"/>
+              <a:t> → </a:t>
+            </a:r>
+            <a:r>
+              <a:rPr lang="ru-RU" dirty="0" err="1"/>
+              <a:t>об'єктивність.Тестували</a:t>
+            </a:r>
+            <a:r>
+              <a:rPr lang="ru-RU" dirty="0"/>
+              <a:t> </a:t>
+            </a:r>
+            <a:r>
+              <a:rPr lang="ru-RU" dirty="0" err="1"/>
+              <a:t>точність</a:t>
+            </a:r>
+            <a:r>
+              <a:rPr lang="ru-RU" dirty="0"/>
+              <a:t>, </a:t>
+            </a:r>
+            <a:r>
+              <a:rPr lang="ru-RU" dirty="0" err="1"/>
+              <a:t>глибину</a:t>
+            </a:r>
+            <a:r>
+              <a:rPr lang="ru-RU" dirty="0"/>
+              <a:t>, </a:t>
+            </a:r>
+            <a:r>
+              <a:rPr lang="ru-RU" dirty="0" err="1"/>
+              <a:t>релевантність</a:t>
+            </a:r>
+            <a:r>
+              <a:rPr lang="ru-RU" dirty="0"/>
+              <a:t>.</a:t>
+            </a:r>
+            <a:endParaRPr dirty="0"/>
+          </a:p>
+        </p:txBody>
+      </p:sp>
+    </p:spTree>
+  </p:cSld>
+  <p:clrMapOvr>
+    <a:masterClrMapping/>
+  </p:clrMapOvr>
+</p:notes>
+</file>
+
+<file path=ppt/notesSlides/notesSlide11.xml><?xml version="1.0" encoding="utf-8"?>
 <p:notes xmlns:a="http://schemas.openxmlformats.org/drawingml/2006/main" xmlns:r="http://schemas.openxmlformats.org/officeDocument/2006/relationships" xmlns:p="http://schemas.openxmlformats.org/presentationml/2006/main" showMasterSp="0" showMasterPhAnim="0">
   <p:cSld>
     <p:spTree>
@@ -961,7 +1483,7 @@
 </p:notes>
 </file>
 
-<file path=ppt/notesSlides/notesSlide11.xml><?xml version="1.0" encoding="utf-8"?>
+<file path=ppt/notesSlides/notesSlide12.xml><?xml version="1.0" encoding="utf-8"?>
 <p:notes xmlns:a="http://schemas.openxmlformats.org/drawingml/2006/main" xmlns:r="http://schemas.openxmlformats.org/officeDocument/2006/relationships" xmlns:p="http://schemas.openxmlformats.org/presentationml/2006/main" showMasterSp="0" showMasterPhAnim="0">
   <p:cSld>
     <p:spTree>
@@ -1053,7 +1575,7 @@
               </a:spcAft>
               <a:buNone/>
             </a:pPr>
-            <a:endParaRPr/>
+            <a:endParaRPr dirty="0"/>
           </a:p>
         </p:txBody>
       </p:sp>
@@ -1065,7 +1587,7 @@
 </p:notes>
 </file>
 
-<file path=ppt/notesSlides/notesSlide12.xml><?xml version="1.0" encoding="utf-8"?>
+<file path=ppt/notesSlides/notesSlide13.xml><?xml version="1.0" encoding="utf-8"?>
 <p:notes xmlns:a="http://schemas.openxmlformats.org/drawingml/2006/main" xmlns:r="http://schemas.openxmlformats.org/officeDocument/2006/relationships" xmlns:p="http://schemas.openxmlformats.org/presentationml/2006/main" showMasterSp="0" showMasterPhAnim="0">
   <p:cSld>
     <p:spTree>
@@ -1157,7 +1679,493 @@
               </a:spcAft>
               <a:buNone/>
             </a:pPr>
-            <a:endParaRPr/>
+            <a:r>
+              <a:rPr lang="en-GB" dirty="0"/>
+              <a:t>GPT-3.5-turbo — </a:t>
+            </a:r>
+            <a:r>
+              <a:rPr lang="ru-RU" dirty="0" err="1"/>
+              <a:t>найшвидша</a:t>
+            </a:r>
+            <a:r>
+              <a:rPr lang="ru-RU" dirty="0"/>
+              <a:t> і </a:t>
+            </a:r>
+            <a:r>
+              <a:rPr lang="ru-RU" dirty="0" err="1"/>
+              <a:t>найдешевша</a:t>
+            </a:r>
+            <a:r>
+              <a:rPr lang="ru-RU" dirty="0"/>
+              <a:t>, </a:t>
+            </a:r>
+            <a:r>
+              <a:rPr lang="ru-RU" dirty="0" err="1"/>
+              <a:t>але</a:t>
+            </a:r>
+            <a:r>
+              <a:rPr lang="ru-RU" dirty="0"/>
+              <a:t> видала </a:t>
+            </a:r>
+            <a:r>
+              <a:rPr lang="ru-RU" dirty="0" err="1"/>
+              <a:t>найменш</a:t>
+            </a:r>
+            <a:r>
+              <a:rPr lang="ru-RU" dirty="0"/>
+              <a:t> </a:t>
+            </a:r>
+            <a:r>
+              <a:rPr lang="ru-RU" dirty="0" err="1"/>
+              <a:t>деталізований</a:t>
+            </a:r>
+            <a:r>
+              <a:rPr lang="ru-RU" dirty="0"/>
+              <a:t> план. </a:t>
+            </a:r>
+          </a:p>
+          <a:p>
+            <a:pPr marL="0" lvl="0" indent="0" algn="l" rtl="0">
+              <a:spcBef>
+                <a:spcPts val="0"/>
+              </a:spcBef>
+              <a:spcAft>
+                <a:spcPts val="0"/>
+              </a:spcAft>
+              <a:buNone/>
+            </a:pPr>
+            <a:r>
+              <a:rPr lang="en-GB" dirty="0"/>
+              <a:t>GPT-4o — </a:t>
+            </a:r>
+            <a:r>
+              <a:rPr lang="ru-RU" dirty="0" err="1"/>
+              <a:t>оптимальний</a:t>
+            </a:r>
+            <a:r>
+              <a:rPr lang="ru-RU" dirty="0"/>
+              <a:t> баланс </a:t>
+            </a:r>
+            <a:r>
+              <a:rPr lang="ru-RU" dirty="0" err="1"/>
+              <a:t>між</a:t>
+            </a:r>
+            <a:r>
+              <a:rPr lang="ru-RU" dirty="0"/>
+              <a:t> </a:t>
+            </a:r>
+            <a:r>
+              <a:rPr lang="ru-RU" dirty="0" err="1"/>
+              <a:t>якістю</a:t>
+            </a:r>
+            <a:r>
+              <a:rPr lang="ru-RU" dirty="0"/>
+              <a:t>, структурою та </a:t>
+            </a:r>
+            <a:r>
+              <a:rPr lang="ru-RU" dirty="0" err="1"/>
+              <a:t>швидкістю</a:t>
+            </a:r>
+            <a:r>
+              <a:rPr lang="ru-RU" dirty="0"/>
+              <a:t>, </a:t>
+            </a:r>
+            <a:r>
+              <a:rPr lang="ru-RU" dirty="0" err="1"/>
+              <a:t>але</a:t>
+            </a:r>
+            <a:r>
+              <a:rPr lang="ru-RU" dirty="0"/>
+              <a:t> </a:t>
+            </a:r>
+            <a:r>
+              <a:rPr lang="ru-RU" dirty="0" err="1"/>
+              <a:t>вища</a:t>
+            </a:r>
+            <a:r>
+              <a:rPr lang="ru-RU" dirty="0"/>
+              <a:t> </a:t>
+            </a:r>
+            <a:r>
+              <a:rPr lang="ru-RU" dirty="0" err="1"/>
+              <a:t>вартість</a:t>
+            </a:r>
+            <a:r>
+              <a:rPr lang="ru-RU" dirty="0"/>
+              <a:t>. </a:t>
+            </a:r>
+          </a:p>
+          <a:p>
+            <a:pPr marL="0" lvl="0" indent="0" algn="l" rtl="0">
+              <a:spcBef>
+                <a:spcPts val="0"/>
+              </a:spcBef>
+              <a:spcAft>
+                <a:spcPts val="0"/>
+              </a:spcAft>
+              <a:buNone/>
+            </a:pPr>
+            <a:r>
+              <a:rPr lang="en-GB" dirty="0"/>
+              <a:t>GPT-4o-mini — </a:t>
+            </a:r>
+            <a:r>
+              <a:rPr lang="ru-RU" dirty="0" err="1"/>
+              <a:t>найдешевша</a:t>
+            </a:r>
+            <a:r>
+              <a:rPr lang="ru-RU" dirty="0"/>
+              <a:t> при </a:t>
+            </a:r>
+            <a:r>
+              <a:rPr lang="ru-RU" dirty="0" err="1"/>
+              <a:t>високій</a:t>
+            </a:r>
+            <a:r>
+              <a:rPr lang="ru-RU" dirty="0"/>
+              <a:t> </a:t>
+            </a:r>
+            <a:r>
+              <a:rPr lang="ru-RU" dirty="0" err="1"/>
+              <a:t>глибині</a:t>
+            </a:r>
+            <a:r>
+              <a:rPr lang="ru-RU" dirty="0"/>
+              <a:t> </a:t>
+            </a:r>
+            <a:r>
+              <a:rPr lang="ru-RU" dirty="0" err="1"/>
+              <a:t>змісту</a:t>
+            </a:r>
+            <a:r>
+              <a:rPr lang="ru-RU" dirty="0"/>
+              <a:t>, </a:t>
+            </a:r>
+            <a:r>
+              <a:rPr lang="ru-RU" dirty="0" err="1"/>
+              <a:t>хоча</a:t>
+            </a:r>
+            <a:r>
+              <a:rPr lang="ru-RU" dirty="0"/>
+              <a:t> й </a:t>
+            </a:r>
+            <a:r>
+              <a:rPr lang="ru-RU" dirty="0" err="1"/>
+              <a:t>повільна</a:t>
+            </a:r>
+            <a:r>
+              <a:rPr lang="ru-RU" dirty="0"/>
+              <a:t>. </a:t>
+            </a:r>
+          </a:p>
+          <a:p>
+            <a:pPr marL="0" lvl="0" indent="0" algn="l" rtl="0">
+              <a:spcBef>
+                <a:spcPts val="0"/>
+              </a:spcBef>
+              <a:spcAft>
+                <a:spcPts val="0"/>
+              </a:spcAft>
+              <a:buNone/>
+            </a:pPr>
+            <a:r>
+              <a:rPr lang="en-GB" dirty="0"/>
+              <a:t>o3-mini — </a:t>
+            </a:r>
+            <a:r>
+              <a:rPr lang="ru-RU" dirty="0" err="1"/>
+              <a:t>створює</a:t>
+            </a:r>
+            <a:r>
+              <a:rPr lang="ru-RU" dirty="0"/>
+              <a:t> максимально </a:t>
+            </a:r>
+            <a:r>
+              <a:rPr lang="ru-RU" dirty="0" err="1"/>
+              <a:t>насичені</a:t>
+            </a:r>
+            <a:r>
+              <a:rPr lang="ru-RU" dirty="0"/>
+              <a:t> </a:t>
+            </a:r>
+            <a:r>
+              <a:rPr lang="ru-RU" dirty="0" err="1"/>
+              <a:t>плани</a:t>
+            </a:r>
+            <a:r>
+              <a:rPr lang="ru-RU" dirty="0"/>
+              <a:t>, </a:t>
+            </a:r>
+            <a:r>
+              <a:rPr lang="ru-RU" dirty="0" err="1"/>
+              <a:t>але</a:t>
+            </a:r>
+            <a:r>
+              <a:rPr lang="ru-RU" dirty="0"/>
+              <a:t> </a:t>
+            </a:r>
+            <a:r>
+              <a:rPr lang="ru-RU" dirty="0" err="1"/>
+              <a:t>повільніша</a:t>
+            </a:r>
+            <a:r>
+              <a:rPr lang="ru-RU" dirty="0"/>
+              <a:t> і </a:t>
+            </a:r>
+            <a:r>
+              <a:rPr lang="ru-RU" dirty="0" err="1"/>
+              <a:t>дорожча</a:t>
+            </a:r>
+            <a:r>
+              <a:rPr lang="ru-RU" dirty="0"/>
+              <a:t>. </a:t>
+            </a:r>
+          </a:p>
+          <a:p>
+            <a:pPr marL="0" lvl="0" indent="0" algn="l" rtl="0">
+              <a:spcBef>
+                <a:spcPts val="0"/>
+              </a:spcBef>
+              <a:spcAft>
+                <a:spcPts val="0"/>
+              </a:spcAft>
+              <a:buNone/>
+            </a:pPr>
+            <a:endParaRPr lang="ru-RU" dirty="0"/>
+          </a:p>
+          <a:p>
+            <a:pPr marL="0" lvl="0" indent="0" algn="l" rtl="0">
+              <a:spcBef>
+                <a:spcPts val="0"/>
+              </a:spcBef>
+              <a:spcAft>
+                <a:spcPts val="0"/>
+              </a:spcAft>
+              <a:buNone/>
+            </a:pPr>
+            <a:r>
+              <a:rPr lang="ru-RU" dirty="0" err="1"/>
+              <a:t>Вибір</a:t>
+            </a:r>
+            <a:r>
+              <a:rPr lang="ru-RU" dirty="0"/>
+              <a:t> </a:t>
+            </a:r>
+            <a:r>
+              <a:rPr lang="ru-RU" dirty="0" err="1"/>
+              <a:t>моделі</a:t>
+            </a:r>
+            <a:r>
+              <a:rPr lang="ru-RU" dirty="0"/>
+              <a:t> </a:t>
+            </a:r>
+            <a:r>
+              <a:rPr lang="ru-RU" dirty="0" err="1"/>
+              <a:t>залежить</a:t>
+            </a:r>
+            <a:r>
+              <a:rPr lang="ru-RU" dirty="0"/>
+              <a:t> </a:t>
+            </a:r>
+            <a:r>
+              <a:rPr lang="ru-RU" dirty="0" err="1"/>
+              <a:t>від</a:t>
+            </a:r>
+            <a:r>
+              <a:rPr lang="ru-RU" dirty="0"/>
+              <a:t> </a:t>
+            </a:r>
+            <a:r>
+              <a:rPr lang="ru-RU" dirty="0" err="1"/>
+              <a:t>пріоритетів</a:t>
+            </a:r>
+            <a:r>
+              <a:rPr lang="ru-RU" dirty="0"/>
+              <a:t>: </a:t>
+            </a:r>
+            <a:r>
+              <a:rPr lang="ru-RU" dirty="0" err="1"/>
+              <a:t>швидкість</a:t>
+            </a:r>
+            <a:r>
+              <a:rPr lang="ru-RU" dirty="0"/>
+              <a:t>, </a:t>
+            </a:r>
+            <a:r>
+              <a:rPr lang="ru-RU" dirty="0" err="1"/>
+              <a:t>вартість</a:t>
+            </a:r>
+            <a:r>
+              <a:rPr lang="ru-RU" dirty="0"/>
+              <a:t> </a:t>
+            </a:r>
+            <a:r>
+              <a:rPr lang="ru-RU" dirty="0" err="1"/>
+              <a:t>чи</a:t>
+            </a:r>
+            <a:r>
+              <a:rPr lang="ru-RU" dirty="0"/>
+              <a:t> </a:t>
+            </a:r>
+            <a:r>
+              <a:rPr lang="ru-RU" dirty="0" err="1"/>
+              <a:t>деталізація</a:t>
+            </a:r>
+            <a:r>
+              <a:rPr lang="ru-RU" dirty="0"/>
+              <a:t>.</a:t>
+            </a:r>
+          </a:p>
+          <a:p>
+            <a:pPr marL="0" lvl="0" indent="0" algn="l" rtl="0">
+              <a:spcBef>
+                <a:spcPts val="0"/>
+              </a:spcBef>
+              <a:spcAft>
+                <a:spcPts val="0"/>
+              </a:spcAft>
+              <a:buNone/>
+            </a:pPr>
+            <a:endParaRPr lang="ru-RU" dirty="0"/>
+          </a:p>
+          <a:p>
+            <a:pPr marL="0" lvl="0" indent="0" algn="l" rtl="0">
+              <a:spcBef>
+                <a:spcPts val="0"/>
+              </a:spcBef>
+              <a:spcAft>
+                <a:spcPts val="0"/>
+              </a:spcAft>
+              <a:buNone/>
+            </a:pPr>
+            <a:r>
+              <a:rPr lang="en-GB" dirty="0"/>
+              <a:t>Notes: </a:t>
+            </a:r>
+          </a:p>
+          <a:p>
+            <a:pPr marL="0" lvl="0" indent="0" algn="l" rtl="0">
+              <a:spcBef>
+                <a:spcPts val="0"/>
+              </a:spcBef>
+              <a:spcAft>
+                <a:spcPts val="0"/>
+              </a:spcAft>
+              <a:buNone/>
+            </a:pPr>
+            <a:r>
+              <a:rPr lang="en-GB" dirty="0"/>
+              <a:t>turbo — </a:t>
+            </a:r>
+            <a:r>
+              <a:rPr lang="ru-RU" dirty="0" err="1"/>
+              <a:t>швидкість</a:t>
+            </a:r>
+            <a:r>
+              <a:rPr lang="ru-RU" dirty="0"/>
+              <a:t> і </a:t>
+            </a:r>
+            <a:r>
+              <a:rPr lang="ru-RU" dirty="0" err="1"/>
+              <a:t>економія</a:t>
+            </a:r>
+            <a:r>
+              <a:rPr lang="ru-RU" dirty="0"/>
+              <a:t>.</a:t>
+            </a:r>
+          </a:p>
+          <a:p>
+            <a:pPr marL="0" lvl="0" indent="0" algn="l" rtl="0">
+              <a:spcBef>
+                <a:spcPts val="0"/>
+              </a:spcBef>
+              <a:spcAft>
+                <a:spcPts val="0"/>
+              </a:spcAft>
+              <a:buNone/>
+            </a:pPr>
+            <a:r>
+              <a:rPr lang="ru-RU" dirty="0"/>
+              <a:t>4</a:t>
+            </a:r>
+            <a:r>
+              <a:rPr lang="en-GB" dirty="0"/>
+              <a:t>o — </a:t>
+            </a:r>
+            <a:r>
+              <a:rPr lang="ru-RU" dirty="0"/>
+              <a:t>баланс.</a:t>
+            </a:r>
+          </a:p>
+          <a:p>
+            <a:pPr marL="0" lvl="0" indent="0" algn="l" rtl="0">
+              <a:spcBef>
+                <a:spcPts val="0"/>
+              </a:spcBef>
+              <a:spcAft>
+                <a:spcPts val="0"/>
+              </a:spcAft>
+              <a:buNone/>
+            </a:pPr>
+            <a:r>
+              <a:rPr lang="ru-RU" dirty="0"/>
+              <a:t>4</a:t>
+            </a:r>
+            <a:r>
+              <a:rPr lang="en-GB" dirty="0"/>
+              <a:t>o-mini — </a:t>
+            </a:r>
+            <a:r>
+              <a:rPr lang="ru-RU" dirty="0" err="1"/>
+              <a:t>глибина</a:t>
+            </a:r>
+            <a:r>
+              <a:rPr lang="ru-RU" dirty="0"/>
+              <a:t> й бюджет</a:t>
+            </a:r>
+          </a:p>
+          <a:p>
+            <a:pPr marL="0" lvl="0" indent="0" algn="l" rtl="0">
+              <a:spcBef>
+                <a:spcPts val="0"/>
+              </a:spcBef>
+              <a:spcAft>
+                <a:spcPts val="0"/>
+              </a:spcAft>
+              <a:buNone/>
+            </a:pPr>
+            <a:r>
+              <a:rPr lang="ru-RU" dirty="0"/>
+              <a:t>.</a:t>
+            </a:r>
+            <a:r>
+              <a:rPr lang="en-GB" dirty="0"/>
+              <a:t>o3-mini — </a:t>
+            </a:r>
+            <a:r>
+              <a:rPr lang="ru-RU" dirty="0"/>
+              <a:t>максимум </a:t>
+            </a:r>
+            <a:r>
+              <a:rPr lang="ru-RU" dirty="0" err="1"/>
+              <a:t>змісту</a:t>
+            </a:r>
+            <a:r>
+              <a:rPr lang="ru-RU" dirty="0"/>
+              <a:t>.</a:t>
+            </a:r>
+          </a:p>
+          <a:p>
+            <a:pPr marL="0" lvl="0" indent="0" algn="l" rtl="0">
+              <a:spcBef>
+                <a:spcPts val="0"/>
+              </a:spcBef>
+              <a:spcAft>
+                <a:spcPts val="0"/>
+              </a:spcAft>
+              <a:buNone/>
+            </a:pPr>
+            <a:endParaRPr dirty="0"/>
           </a:p>
         </p:txBody>
       </p:sp>
@@ -1169,7 +2177,7 @@
 </p:notes>
 </file>
 
-<file path=ppt/notesSlides/notesSlide13.xml><?xml version="1.0" encoding="utf-8"?>
+<file path=ppt/notesSlides/notesSlide14.xml><?xml version="1.0" encoding="utf-8"?>
 <p:notes xmlns:a="http://schemas.openxmlformats.org/drawingml/2006/main" xmlns:r="http://schemas.openxmlformats.org/officeDocument/2006/relationships" xmlns:p="http://schemas.openxmlformats.org/presentationml/2006/main" showMasterSp="0" showMasterPhAnim="0">
   <p:cSld>
     <p:spTree>
@@ -1261,7 +2269,7 @@
               </a:spcAft>
               <a:buNone/>
             </a:pPr>
-            <a:endParaRPr/>
+            <a:endParaRPr dirty="0"/>
           </a:p>
         </p:txBody>
       </p:sp>
@@ -1273,7 +2281,7 @@
 </p:notes>
 </file>
 
-<file path=ppt/notesSlides/notesSlide14.xml><?xml version="1.0" encoding="utf-8"?>
+<file path=ppt/notesSlides/notesSlide15.xml><?xml version="1.0" encoding="utf-8"?>
 <p:notes xmlns:a="http://schemas.openxmlformats.org/drawingml/2006/main" xmlns:r="http://schemas.openxmlformats.org/officeDocument/2006/relationships" xmlns:p="http://schemas.openxmlformats.org/presentationml/2006/main" showMasterSp="0" showMasterPhAnim="0">
   <p:cSld>
     <p:spTree>
@@ -1365,11 +2373,370 @@
               </a:spcAft>
               <a:buNone/>
             </a:pPr>
-            <a:endParaRPr/>
+            <a:r>
+              <a:rPr lang="ru-RU" dirty="0"/>
+              <a:t>У </a:t>
+            </a:r>
+            <a:r>
+              <a:rPr lang="ru-RU" dirty="0" err="1"/>
+              <a:t>результаті</a:t>
+            </a:r>
+            <a:r>
+              <a:rPr lang="ru-RU" dirty="0"/>
+              <a:t>:</a:t>
+            </a:r>
+          </a:p>
+          <a:p>
+            <a:pPr marL="0" lvl="0" indent="0" algn="l" rtl="0">
+              <a:spcBef>
+                <a:spcPts val="0"/>
+              </a:spcBef>
+              <a:spcAft>
+                <a:spcPts val="0"/>
+              </a:spcAft>
+              <a:buNone/>
+            </a:pPr>
+            <a:r>
+              <a:rPr lang="ru-RU" dirty="0"/>
+              <a:t>Проведено </a:t>
+            </a:r>
+            <a:r>
+              <a:rPr lang="ru-RU" dirty="0" err="1"/>
+              <a:t>порівняння</a:t>
+            </a:r>
+            <a:r>
+              <a:rPr lang="ru-RU" dirty="0"/>
+              <a:t> </a:t>
+            </a:r>
+            <a:r>
+              <a:rPr lang="ru-RU" dirty="0" err="1"/>
+              <a:t>методів</a:t>
+            </a:r>
+            <a:r>
+              <a:rPr lang="ru-RU" dirty="0"/>
+              <a:t> адаптивного </a:t>
+            </a:r>
+            <a:r>
+              <a:rPr lang="ru-RU" dirty="0" err="1"/>
+              <a:t>навчання</a:t>
+            </a:r>
+            <a:r>
+              <a:rPr lang="ru-RU" dirty="0"/>
+              <a:t>;</a:t>
+            </a:r>
+          </a:p>
+          <a:p>
+            <a:pPr marL="0" lvl="0" indent="0" algn="l" rtl="0">
+              <a:spcBef>
+                <a:spcPts val="0"/>
+              </a:spcBef>
+              <a:spcAft>
+                <a:spcPts val="0"/>
+              </a:spcAft>
+              <a:buNone/>
+            </a:pPr>
+            <a:r>
+              <a:rPr lang="ru-RU" dirty="0"/>
+              <a:t>Сформовано </a:t>
+            </a:r>
+            <a:r>
+              <a:rPr lang="ru-RU" dirty="0" err="1"/>
+              <a:t>критерії</a:t>
+            </a:r>
+            <a:r>
+              <a:rPr lang="ru-RU" dirty="0"/>
+              <a:t> </a:t>
+            </a:r>
+            <a:r>
+              <a:rPr lang="ru-RU" dirty="0" err="1"/>
+              <a:t>оцінки</a:t>
+            </a:r>
+            <a:r>
+              <a:rPr lang="ru-RU" dirty="0"/>
+              <a:t> </a:t>
+            </a:r>
+            <a:r>
+              <a:rPr lang="ru-RU" dirty="0" err="1"/>
+              <a:t>планів</a:t>
+            </a:r>
+            <a:r>
+              <a:rPr lang="ru-RU" dirty="0"/>
+              <a:t> </a:t>
+            </a:r>
+            <a:r>
+              <a:rPr lang="ru-RU" dirty="0" err="1"/>
+              <a:t>розвитку</a:t>
+            </a:r>
+            <a:r>
+              <a:rPr lang="ru-RU" dirty="0"/>
+              <a:t>;</a:t>
+            </a:r>
+          </a:p>
+          <a:p>
+            <a:pPr marL="0" lvl="0" indent="0" algn="l" rtl="0">
+              <a:spcBef>
+                <a:spcPts val="0"/>
+              </a:spcBef>
+              <a:spcAft>
+                <a:spcPts val="0"/>
+              </a:spcAft>
+              <a:buNone/>
+            </a:pPr>
+            <a:r>
+              <a:rPr lang="ru-RU" dirty="0"/>
+              <a:t>Проведено </a:t>
+            </a:r>
+            <a:r>
+              <a:rPr lang="ru-RU" dirty="0" err="1"/>
+              <a:t>експеримент</a:t>
+            </a:r>
+            <a:r>
+              <a:rPr lang="ru-RU" dirty="0"/>
+              <a:t> з </a:t>
+            </a:r>
+            <a:r>
+              <a:rPr lang="ru-RU" dirty="0" err="1"/>
+              <a:t>використанням</a:t>
+            </a:r>
+            <a:r>
+              <a:rPr lang="ru-RU" dirty="0"/>
+              <a:t> LLM;</a:t>
+            </a:r>
+          </a:p>
+          <a:p>
+            <a:pPr marL="0" lvl="0" indent="0" algn="l" rtl="0">
+              <a:spcBef>
+                <a:spcPts val="0"/>
+              </a:spcBef>
+              <a:spcAft>
+                <a:spcPts val="0"/>
+              </a:spcAft>
+              <a:buNone/>
+            </a:pPr>
+            <a:r>
+              <a:rPr lang="ru-RU" dirty="0" err="1"/>
+              <a:t>Побудовано</a:t>
+            </a:r>
+            <a:r>
+              <a:rPr lang="ru-RU" dirty="0"/>
+              <a:t> систему для </a:t>
+            </a:r>
+            <a:r>
+              <a:rPr lang="ru-RU" dirty="0" err="1"/>
+              <a:t>генерації</a:t>
+            </a:r>
+            <a:r>
+              <a:rPr lang="ru-RU" dirty="0"/>
+              <a:t> </a:t>
+            </a:r>
+            <a:r>
+              <a:rPr lang="ru-RU" dirty="0" err="1"/>
+              <a:t>планів</a:t>
+            </a:r>
+            <a:r>
+              <a:rPr lang="ru-RU" dirty="0"/>
+              <a:t> </a:t>
+            </a:r>
+            <a:r>
+              <a:rPr lang="ru-RU" dirty="0" err="1"/>
+              <a:t>розвитку</a:t>
+            </a:r>
+            <a:endParaRPr lang="ru-RU" dirty="0"/>
+          </a:p>
+          <a:p>
+            <a:pPr marL="0" lvl="0" indent="0" algn="l" rtl="0">
+              <a:spcBef>
+                <a:spcPts val="0"/>
+              </a:spcBef>
+              <a:spcAft>
+                <a:spcPts val="0"/>
+              </a:spcAft>
+              <a:buNone/>
+            </a:pPr>
+            <a:r>
+              <a:rPr lang="ru-RU" dirty="0"/>
+              <a:t>;</a:t>
+            </a:r>
+            <a:r>
+              <a:rPr lang="ru-RU" dirty="0" err="1"/>
+              <a:t>Виявлено</a:t>
+            </a:r>
+            <a:r>
+              <a:rPr lang="ru-RU" dirty="0"/>
+              <a:t> </a:t>
+            </a:r>
+            <a:r>
+              <a:rPr lang="ru-RU" dirty="0" err="1"/>
+              <a:t>обмеження</a:t>
+            </a:r>
+            <a:r>
+              <a:rPr lang="ru-RU" dirty="0"/>
+              <a:t>: </a:t>
+            </a:r>
+            <a:r>
+              <a:rPr lang="ru-RU" dirty="0" err="1"/>
+              <a:t>конфіденційність</a:t>
+            </a:r>
+            <a:r>
+              <a:rPr lang="ru-RU" dirty="0"/>
+              <a:t>, </a:t>
+            </a:r>
+            <a:r>
+              <a:rPr lang="ru-RU" dirty="0" err="1"/>
+              <a:t>вартість</a:t>
+            </a:r>
+            <a:r>
+              <a:rPr lang="ru-RU" dirty="0"/>
+              <a:t>, потреба в </a:t>
+            </a:r>
+            <a:r>
+              <a:rPr lang="ru-RU" dirty="0" err="1"/>
+              <a:t>кваліфікованих</a:t>
+            </a:r>
+            <a:r>
+              <a:rPr lang="ru-RU" dirty="0"/>
+              <a:t> </a:t>
+            </a:r>
+            <a:r>
+              <a:rPr lang="ru-RU" dirty="0" err="1"/>
+              <a:t>фахівцях</a:t>
+            </a:r>
+            <a:r>
+              <a:rPr lang="ru-RU" dirty="0"/>
+              <a:t>.</a:t>
+            </a:r>
+            <a:endParaRPr dirty="0"/>
           </a:p>
         </p:txBody>
       </p:sp>
     </p:spTree>
+  </p:cSld>
+  <p:clrMapOvr>
+    <a:masterClrMapping/>
+  </p:clrMapOvr>
+</p:notes>
+</file>
+
+<file path=ppt/notesSlides/notesSlide16.xml><?xml version="1.0" encoding="utf-8"?>
+<p:notes xmlns:a="http://schemas.openxmlformats.org/drawingml/2006/main" xmlns:r="http://schemas.openxmlformats.org/officeDocument/2006/relationships" xmlns:p="http://schemas.openxmlformats.org/presentationml/2006/main" showMasterSp="0" showMasterPhAnim="0">
+  <p:cSld>
+    <p:spTree>
+      <p:nvGrpSpPr>
+        <p:cNvPr id="1" name="Shape 137">
+          <a:extLst>
+            <a:ext uri="{FF2B5EF4-FFF2-40B4-BE49-F238E27FC236}">
+              <a16:creationId xmlns:a16="http://schemas.microsoft.com/office/drawing/2014/main" id="{7C2B6F6F-F009-E584-FD80-82F96590CC8A}"/>
+            </a:ext>
+          </a:extLst>
+        </p:cNvPr>
+        <p:cNvGrpSpPr/>
+        <p:nvPr/>
+      </p:nvGrpSpPr>
+      <p:grpSpPr>
+        <a:xfrm>
+          <a:off x="0" y="0"/>
+          <a:ext cx="0" cy="0"/>
+          <a:chOff x="0" y="0"/>
+          <a:chExt cx="0" cy="0"/>
+        </a:xfrm>
+      </p:grpSpPr>
+      <p:sp>
+        <p:nvSpPr>
+          <p:cNvPr id="138" name="Google Shape;138;g2e16b2adad1_0_50:notes">
+            <a:extLst>
+              <a:ext uri="{FF2B5EF4-FFF2-40B4-BE49-F238E27FC236}">
+                <a16:creationId xmlns:a16="http://schemas.microsoft.com/office/drawing/2014/main" id="{4654565C-1C47-362F-5541-FAAD07943478}"/>
+              </a:ext>
+            </a:extLst>
+          </p:cNvPr>
+          <p:cNvSpPr>
+            <a:spLocks noGrp="1" noRot="1" noChangeAspect="1"/>
+          </p:cNvSpPr>
+          <p:nvPr>
+            <p:ph type="sldImg" idx="2"/>
+          </p:nvPr>
+        </p:nvSpPr>
+        <p:spPr>
+          <a:xfrm>
+            <a:off x="381000" y="685800"/>
+            <a:ext cx="6096000" cy="3429000"/>
+          </a:xfrm>
+          <a:custGeom>
+            <a:avLst/>
+            <a:gdLst/>
+            <a:ahLst/>
+            <a:cxnLst/>
+            <a:rect l="l" t="t" r="r" b="b"/>
+            <a:pathLst>
+              <a:path w="120000" h="120000" extrusionOk="0">
+                <a:moveTo>
+                  <a:pt x="0" y="0"/>
+                </a:moveTo>
+                <a:lnTo>
+                  <a:pt x="120000" y="0"/>
+                </a:lnTo>
+                <a:lnTo>
+                  <a:pt x="120000" y="120000"/>
+                </a:lnTo>
+                <a:lnTo>
+                  <a:pt x="0" y="120000"/>
+                </a:lnTo>
+                <a:close/>
+              </a:path>
+            </a:pathLst>
+          </a:custGeom>
+        </p:spPr>
+      </p:sp>
+      <p:sp>
+        <p:nvSpPr>
+          <p:cNvPr id="139" name="Google Shape;139;g2e16b2adad1_0_50:notes">
+            <a:extLst>
+              <a:ext uri="{FF2B5EF4-FFF2-40B4-BE49-F238E27FC236}">
+                <a16:creationId xmlns:a16="http://schemas.microsoft.com/office/drawing/2014/main" id="{62C35D9F-2D67-70D0-DE42-7274D8F72EAC}"/>
+              </a:ext>
+            </a:extLst>
+          </p:cNvPr>
+          <p:cNvSpPr txBox="1">
+            <a:spLocks noGrp="1"/>
+          </p:cNvSpPr>
+          <p:nvPr>
+            <p:ph type="body" idx="1"/>
+          </p:nvPr>
+        </p:nvSpPr>
+        <p:spPr>
+          <a:xfrm>
+            <a:off x="685800" y="4343400"/>
+            <a:ext cx="5486400" cy="4114800"/>
+          </a:xfrm>
+          <a:prstGeom prst="rect">
+            <a:avLst/>
+          </a:prstGeom>
+        </p:spPr>
+        <p:txBody>
+          <a:bodyPr spcFirstLastPara="1" wrap="square" lIns="91425" tIns="91425" rIns="91425" bIns="91425" anchor="t" anchorCtr="0">
+            <a:noAutofit/>
+          </a:bodyPr>
+          <a:lstStyle/>
+          <a:p>
+            <a:pPr marL="0" lvl="0" indent="0" algn="l" rtl="0">
+              <a:spcBef>
+                <a:spcPts val="0"/>
+              </a:spcBef>
+              <a:spcAft>
+                <a:spcPts val="0"/>
+              </a:spcAft>
+              <a:buNone/>
+            </a:pPr>
+            <a:endParaRPr dirty="0"/>
+          </a:p>
+        </p:txBody>
+      </p:sp>
+    </p:spTree>
+    <p:extLst>
+      <p:ext uri="{BB962C8B-B14F-4D97-AF65-F5344CB8AC3E}">
+        <p14:creationId xmlns:p14="http://schemas.microsoft.com/office/powerpoint/2010/main" val="1373572730"/>
+      </p:ext>
+    </p:extLst>
   </p:cSld>
   <p:clrMapOvr>
     <a:masterClrMapping/>
@@ -1469,7 +2836,450 @@
               </a:spcAft>
               <a:buNone/>
             </a:pPr>
-            <a:endParaRPr/>
+            <a:r>
+              <a:rPr lang="ru-RU" dirty="0"/>
+              <a:t>Мета </a:t>
+            </a:r>
+            <a:r>
+              <a:rPr lang="ru-RU" dirty="0" err="1"/>
+              <a:t>моєї</a:t>
+            </a:r>
+            <a:r>
+              <a:rPr lang="ru-RU" dirty="0"/>
+              <a:t> </a:t>
+            </a:r>
+            <a:r>
+              <a:rPr lang="ru-RU" dirty="0" err="1"/>
+              <a:t>роботи</a:t>
+            </a:r>
+            <a:r>
+              <a:rPr lang="ru-RU" dirty="0"/>
+              <a:t> — </a:t>
+            </a:r>
+            <a:r>
+              <a:rPr lang="ru-RU" dirty="0" err="1"/>
+              <a:t>дослідити</a:t>
+            </a:r>
+            <a:r>
+              <a:rPr lang="ru-RU" dirty="0"/>
+              <a:t> </a:t>
+            </a:r>
+            <a:r>
+              <a:rPr lang="ru-RU" dirty="0" err="1"/>
+              <a:t>сучасні</a:t>
+            </a:r>
+            <a:r>
+              <a:rPr lang="ru-RU" dirty="0"/>
+              <a:t> </a:t>
+            </a:r>
+            <a:r>
+              <a:rPr lang="ru-RU" dirty="0" err="1"/>
+              <a:t>методи</a:t>
+            </a:r>
+            <a:r>
+              <a:rPr lang="ru-RU" dirty="0"/>
+              <a:t> адаптивного </a:t>
+            </a:r>
+            <a:r>
+              <a:rPr lang="ru-RU" dirty="0" err="1"/>
+              <a:t>навчання</a:t>
+            </a:r>
+            <a:r>
+              <a:rPr lang="ru-RU" dirty="0"/>
+              <a:t> і </a:t>
+            </a:r>
+            <a:r>
+              <a:rPr lang="ru-RU" dirty="0" err="1"/>
+              <a:t>побудувати</a:t>
+            </a:r>
+            <a:r>
+              <a:rPr lang="ru-RU" dirty="0"/>
+              <a:t> </a:t>
+            </a:r>
+            <a:r>
+              <a:rPr lang="ru-RU" dirty="0" err="1"/>
+              <a:t>персоналізовані</a:t>
+            </a:r>
+            <a:r>
+              <a:rPr lang="ru-RU" dirty="0"/>
+              <a:t> </a:t>
+            </a:r>
+            <a:r>
+              <a:rPr lang="ru-RU" dirty="0" err="1"/>
+              <a:t>плани</a:t>
+            </a:r>
+            <a:r>
+              <a:rPr lang="ru-RU" dirty="0"/>
+              <a:t> </a:t>
+            </a:r>
+            <a:r>
+              <a:rPr lang="ru-RU" dirty="0" err="1"/>
+              <a:t>розвитку</a:t>
+            </a:r>
+            <a:r>
+              <a:rPr lang="ru-RU" dirty="0"/>
+              <a:t> в </a:t>
+            </a:r>
+            <a:r>
+              <a:rPr lang="ru-RU" dirty="0" err="1"/>
+              <a:t>галузі</a:t>
+            </a:r>
+            <a:r>
+              <a:rPr lang="ru-RU" dirty="0"/>
+              <a:t> ІТ.</a:t>
+            </a:r>
+            <a:endParaRPr lang="en-GB" dirty="0"/>
+          </a:p>
+          <a:p>
+            <a:pPr marL="0" lvl="0" indent="0" algn="l" rtl="0">
+              <a:spcBef>
+                <a:spcPts val="0"/>
+              </a:spcBef>
+              <a:spcAft>
+                <a:spcPts val="0"/>
+              </a:spcAft>
+              <a:buNone/>
+            </a:pPr>
+            <a:r>
+              <a:rPr lang="ru-RU" dirty="0"/>
+              <a:t> У </a:t>
+            </a:r>
+            <a:r>
+              <a:rPr lang="ru-RU" dirty="0" err="1"/>
+              <a:t>центрі</a:t>
+            </a:r>
+            <a:r>
+              <a:rPr lang="ru-RU" dirty="0"/>
+              <a:t> </a:t>
+            </a:r>
+            <a:r>
+              <a:rPr lang="ru-RU" dirty="0" err="1"/>
+              <a:t>уваги</a:t>
+            </a:r>
+            <a:r>
+              <a:rPr lang="ru-RU" dirty="0"/>
+              <a:t> — </a:t>
+            </a:r>
+            <a:r>
+              <a:rPr lang="ru-RU" dirty="0" err="1"/>
+              <a:t>індивідуальні</a:t>
+            </a:r>
+            <a:r>
+              <a:rPr lang="ru-RU" dirty="0"/>
+              <a:t> потреби </a:t>
+            </a:r>
+            <a:r>
+              <a:rPr lang="ru-RU" dirty="0" err="1"/>
+              <a:t>студентів</a:t>
+            </a:r>
+            <a:r>
+              <a:rPr lang="ru-RU" dirty="0"/>
+              <a:t>.</a:t>
+            </a:r>
+            <a:endParaRPr lang="en-GB" dirty="0"/>
+          </a:p>
+          <a:p>
+            <a:pPr marL="0" lvl="0" indent="0" algn="l" rtl="0">
+              <a:spcBef>
+                <a:spcPts val="0"/>
+              </a:spcBef>
+              <a:spcAft>
+                <a:spcPts val="0"/>
+              </a:spcAft>
+              <a:buNone/>
+            </a:pPr>
+            <a:r>
+              <a:rPr lang="ru-RU" dirty="0"/>
+              <a:t> Я </a:t>
+            </a:r>
+            <a:r>
+              <a:rPr lang="ru-RU" dirty="0" err="1"/>
+              <a:t>розглянув</a:t>
+            </a:r>
+            <a:r>
+              <a:rPr lang="ru-RU" dirty="0"/>
+              <a:t> як </a:t>
+            </a:r>
+            <a:r>
+              <a:rPr lang="ru-RU" dirty="0" err="1"/>
+              <a:t>традиційні</a:t>
+            </a:r>
+            <a:r>
+              <a:rPr lang="ru-RU" dirty="0"/>
+              <a:t> </a:t>
+            </a:r>
+            <a:r>
+              <a:rPr lang="ru-RU" dirty="0" err="1"/>
+              <a:t>методи</a:t>
+            </a:r>
+            <a:r>
+              <a:rPr lang="ru-RU" dirty="0"/>
+              <a:t>, так і </a:t>
+            </a:r>
+            <a:r>
+              <a:rPr lang="ru-RU" dirty="0" err="1"/>
+              <a:t>інноваційні</a:t>
+            </a:r>
+            <a:r>
+              <a:rPr lang="ru-RU" dirty="0"/>
+              <a:t> </a:t>
+            </a:r>
+            <a:r>
+              <a:rPr lang="ru-RU" dirty="0" err="1"/>
+              <a:t>підходи</a:t>
+            </a:r>
+            <a:r>
+              <a:rPr lang="ru-RU" dirty="0"/>
+              <a:t>: </a:t>
+            </a:r>
+            <a:endParaRPr lang="en-GB" dirty="0"/>
+          </a:p>
+          <a:p>
+            <a:pPr marL="0" lvl="0" indent="0" algn="l" rtl="0">
+              <a:spcBef>
+                <a:spcPts val="0"/>
+              </a:spcBef>
+              <a:spcAft>
+                <a:spcPts val="0"/>
+              </a:spcAft>
+              <a:buNone/>
+            </a:pPr>
+            <a:r>
+              <a:rPr lang="en-GB" dirty="0"/>
+              <a:t> - </a:t>
+            </a:r>
+            <a:r>
+              <a:rPr lang="ru-RU" dirty="0" err="1"/>
+              <a:t>використання</a:t>
+            </a:r>
+            <a:r>
+              <a:rPr lang="ru-RU" dirty="0"/>
+              <a:t> генеративного ШІ</a:t>
+            </a:r>
+            <a:endParaRPr lang="en-GB" dirty="0"/>
+          </a:p>
+          <a:p>
+            <a:pPr marL="0" lvl="0" indent="0" algn="l" rtl="0">
+              <a:spcBef>
+                <a:spcPts val="0"/>
+              </a:spcBef>
+              <a:spcAft>
+                <a:spcPts val="0"/>
+              </a:spcAft>
+              <a:buNone/>
+            </a:pPr>
+            <a:r>
+              <a:rPr lang="en-GB" dirty="0"/>
+              <a:t> -</a:t>
+            </a:r>
+            <a:r>
+              <a:rPr lang="ru-RU" dirty="0"/>
+              <a:t> великих </a:t>
+            </a:r>
+            <a:r>
+              <a:rPr lang="ru-RU" dirty="0" err="1"/>
+              <a:t>мовних</a:t>
+            </a:r>
+            <a:r>
+              <a:rPr lang="ru-RU" dirty="0"/>
+              <a:t> моделей</a:t>
+            </a:r>
+            <a:endParaRPr lang="en-GB" dirty="0"/>
+          </a:p>
+          <a:p>
+            <a:pPr marL="0" lvl="0" indent="0" algn="l" rtl="0">
+              <a:spcBef>
+                <a:spcPts val="0"/>
+              </a:spcBef>
+              <a:spcAft>
+                <a:spcPts val="0"/>
+              </a:spcAft>
+              <a:buNone/>
+            </a:pPr>
+            <a:r>
+              <a:rPr lang="en-GB" dirty="0"/>
+              <a:t> - </a:t>
+            </a:r>
+            <a:r>
+              <a:rPr lang="ru-RU" dirty="0"/>
+              <a:t> </a:t>
+            </a:r>
+            <a:r>
+              <a:rPr lang="ru-RU" dirty="0" err="1"/>
+              <a:t>технологій</a:t>
+            </a:r>
+            <a:r>
+              <a:rPr lang="ru-RU" dirty="0"/>
+              <a:t> </a:t>
+            </a:r>
+            <a:r>
+              <a:rPr lang="en-GB" dirty="0"/>
+              <a:t>Big Data. </a:t>
+            </a:r>
+          </a:p>
+          <a:p>
+            <a:pPr marL="0" lvl="0" indent="0" algn="l" rtl="0">
+              <a:spcBef>
+                <a:spcPts val="0"/>
+              </a:spcBef>
+              <a:spcAft>
+                <a:spcPts val="0"/>
+              </a:spcAft>
+              <a:buNone/>
+            </a:pPr>
+            <a:endParaRPr lang="en-GB" dirty="0"/>
+          </a:p>
+          <a:p>
+            <a:pPr marL="0" lvl="0" indent="0" algn="l" rtl="0">
+              <a:spcBef>
+                <a:spcPts val="0"/>
+              </a:spcBef>
+              <a:spcAft>
+                <a:spcPts val="0"/>
+              </a:spcAft>
+              <a:buNone/>
+            </a:pPr>
+            <a:r>
+              <a:rPr lang="ru-RU" dirty="0"/>
+              <a:t>ІТ-сфера є </a:t>
+            </a:r>
+            <a:r>
+              <a:rPr lang="ru-RU" dirty="0" err="1"/>
+              <a:t>динамічною</a:t>
+            </a:r>
+            <a:r>
+              <a:rPr lang="ru-RU" dirty="0"/>
+              <a:t>, тому </a:t>
+            </a:r>
+            <a:r>
+              <a:rPr lang="ru-RU" dirty="0" err="1"/>
+              <a:t>персоналізація</a:t>
+            </a:r>
+            <a:r>
+              <a:rPr lang="ru-RU" dirty="0"/>
+              <a:t> </a:t>
+            </a:r>
+            <a:r>
+              <a:rPr lang="ru-RU" dirty="0" err="1"/>
+              <a:t>навчання</a:t>
+            </a:r>
+            <a:r>
+              <a:rPr lang="ru-RU" dirty="0"/>
+              <a:t> тут особливо актуальна.</a:t>
+            </a:r>
+            <a:endParaRPr lang="en-GB" dirty="0"/>
+          </a:p>
+          <a:p>
+            <a:pPr marL="0" lvl="0" indent="0" algn="l" rtl="0">
+              <a:spcBef>
+                <a:spcPts val="0"/>
+              </a:spcBef>
+              <a:spcAft>
+                <a:spcPts val="0"/>
+              </a:spcAft>
+              <a:buNone/>
+            </a:pPr>
+            <a:endParaRPr lang="en-GB" dirty="0"/>
+          </a:p>
+          <a:p>
+            <a:pPr marL="0" lvl="0" indent="0" algn="l" rtl="0">
+              <a:spcBef>
+                <a:spcPts val="0"/>
+              </a:spcBef>
+              <a:spcAft>
+                <a:spcPts val="0"/>
+              </a:spcAft>
+              <a:buNone/>
+            </a:pPr>
+            <a:r>
+              <a:rPr lang="en-GB" dirty="0"/>
+              <a:t>Notes:</a:t>
+            </a:r>
+            <a:r>
+              <a:rPr lang="ru-RU" dirty="0" err="1"/>
+              <a:t>Чому</a:t>
+            </a:r>
+            <a:r>
+              <a:rPr lang="ru-RU" dirty="0"/>
+              <a:t> </a:t>
+            </a:r>
+            <a:r>
+              <a:rPr lang="ru-RU" dirty="0" err="1"/>
+              <a:t>адаптивне</a:t>
+            </a:r>
+            <a:r>
+              <a:rPr lang="ru-RU" dirty="0"/>
+              <a:t> </a:t>
+            </a:r>
+            <a:r>
+              <a:rPr lang="ru-RU" dirty="0" err="1"/>
+              <a:t>навчання</a:t>
+            </a:r>
+            <a:r>
+              <a:rPr lang="ru-RU" dirty="0"/>
+              <a:t> </a:t>
+            </a:r>
+            <a:r>
+              <a:rPr lang="ru-RU" dirty="0" err="1"/>
+              <a:t>важливе.Нові</a:t>
+            </a:r>
+            <a:r>
+              <a:rPr lang="ru-RU" dirty="0"/>
+              <a:t> </a:t>
+            </a:r>
+            <a:r>
+              <a:rPr lang="ru-RU" dirty="0" err="1"/>
+              <a:t>технології</a:t>
+            </a:r>
+            <a:r>
+              <a:rPr lang="ru-RU" dirty="0"/>
+              <a:t>: </a:t>
+            </a:r>
+            <a:r>
+              <a:rPr lang="en-GB" dirty="0"/>
+              <a:t>LLM, Big Data, </a:t>
+            </a:r>
+            <a:r>
+              <a:rPr lang="ru-RU" dirty="0" err="1"/>
+              <a:t>генеративний</a:t>
+            </a:r>
+            <a:r>
+              <a:rPr lang="ru-RU" dirty="0"/>
+              <a:t> </a:t>
+            </a:r>
+            <a:r>
+              <a:rPr lang="ru-RU" dirty="0" err="1"/>
+              <a:t>ШІ.Фокус</a:t>
+            </a:r>
+            <a:r>
+              <a:rPr lang="ru-RU" dirty="0"/>
+              <a:t>: </a:t>
+            </a:r>
+            <a:r>
+              <a:rPr lang="ru-RU" dirty="0" err="1"/>
+              <a:t>персоналізація</a:t>
+            </a:r>
+            <a:r>
+              <a:rPr lang="ru-RU" dirty="0"/>
+              <a:t> </a:t>
+            </a:r>
+            <a:r>
+              <a:rPr lang="ru-RU" dirty="0" err="1"/>
+              <a:t>навчального</a:t>
+            </a:r>
+            <a:r>
+              <a:rPr lang="ru-RU" dirty="0"/>
+              <a:t> </a:t>
+            </a:r>
+            <a:r>
+              <a:rPr lang="ru-RU" dirty="0" err="1"/>
+              <a:t>процесу</a:t>
+            </a:r>
+            <a:r>
+              <a:rPr lang="ru-RU" dirty="0"/>
+              <a:t>.</a:t>
+            </a:r>
+            <a:endParaRPr dirty="0"/>
           </a:p>
         </p:txBody>
       </p:sp>
@@ -1573,7 +3383,251 @@
               </a:spcAft>
               <a:buNone/>
             </a:pPr>
-            <a:endParaRPr/>
+            <a:r>
+              <a:rPr lang="ru-RU" dirty="0" err="1"/>
+              <a:t>Під</a:t>
+            </a:r>
+            <a:r>
+              <a:rPr lang="ru-RU" dirty="0"/>
+              <a:t> час </a:t>
+            </a:r>
+            <a:r>
+              <a:rPr lang="ru-RU" dirty="0" err="1"/>
+              <a:t>дослідження</a:t>
+            </a:r>
+            <a:r>
+              <a:rPr lang="ru-RU" dirty="0"/>
+              <a:t> я </a:t>
+            </a:r>
+            <a:r>
+              <a:rPr lang="ru-RU" dirty="0" err="1"/>
+              <a:t>проаналізував</a:t>
+            </a:r>
+            <a:r>
+              <a:rPr lang="ru-RU" dirty="0"/>
+              <a:t> низку </a:t>
+            </a:r>
+            <a:r>
+              <a:rPr lang="ru-RU" dirty="0" err="1"/>
+              <a:t>наукових</a:t>
+            </a:r>
+            <a:r>
+              <a:rPr lang="ru-RU" dirty="0"/>
+              <a:t> </a:t>
+            </a:r>
+            <a:r>
+              <a:rPr lang="ru-RU" dirty="0" err="1"/>
+              <a:t>джерел</a:t>
+            </a:r>
+            <a:r>
+              <a:rPr lang="ru-RU" dirty="0"/>
+              <a:t>. </a:t>
+            </a:r>
+            <a:endParaRPr lang="en-GB" dirty="0"/>
+          </a:p>
+          <a:p>
+            <a:pPr marL="0" lvl="0" indent="0" algn="l" rtl="0">
+              <a:spcBef>
+                <a:spcPts val="0"/>
+              </a:spcBef>
+              <a:spcAft>
+                <a:spcPts val="0"/>
+              </a:spcAft>
+              <a:buNone/>
+            </a:pPr>
+            <a:r>
+              <a:rPr lang="ru-RU" dirty="0"/>
+              <a:t>Вони </a:t>
+            </a:r>
+            <a:r>
+              <a:rPr lang="ru-RU" dirty="0" err="1"/>
+              <a:t>охоплюють</a:t>
+            </a:r>
+            <a:r>
+              <a:rPr lang="ru-RU" dirty="0"/>
+              <a:t> тематику адаптивного </a:t>
+            </a:r>
+            <a:r>
+              <a:rPr lang="ru-RU" dirty="0" err="1"/>
+              <a:t>навчання</a:t>
+            </a:r>
+            <a:r>
+              <a:rPr lang="ru-RU" dirty="0"/>
+              <a:t>, </a:t>
+            </a:r>
+            <a:r>
+              <a:rPr lang="ru-RU" dirty="0" err="1"/>
+              <a:t>використання</a:t>
+            </a:r>
+            <a:r>
+              <a:rPr lang="ru-RU" dirty="0"/>
+              <a:t> великих </a:t>
+            </a:r>
+            <a:r>
+              <a:rPr lang="ru-RU" dirty="0" err="1"/>
+              <a:t>даних</a:t>
+            </a:r>
+            <a:r>
+              <a:rPr lang="ru-RU" dirty="0"/>
+              <a:t>, генеративного ШІ, </a:t>
+            </a:r>
+            <a:r>
+              <a:rPr lang="ru-RU" dirty="0" err="1"/>
+              <a:t>віртуальних</a:t>
+            </a:r>
+            <a:r>
+              <a:rPr lang="ru-RU" dirty="0"/>
+              <a:t> </a:t>
+            </a:r>
+            <a:r>
+              <a:rPr lang="ru-RU" dirty="0" err="1"/>
+              <a:t>тьюторів</a:t>
+            </a:r>
+            <a:r>
+              <a:rPr lang="ru-RU" dirty="0"/>
+              <a:t> та </a:t>
+            </a:r>
+            <a:r>
+              <a:rPr lang="ru-RU" dirty="0" err="1"/>
+              <a:t>критеріїв</a:t>
+            </a:r>
+            <a:r>
+              <a:rPr lang="ru-RU" dirty="0"/>
+              <a:t> </a:t>
+            </a:r>
+            <a:r>
+              <a:rPr lang="ru-RU" dirty="0" err="1"/>
+              <a:t>оцінювання</a:t>
+            </a:r>
+            <a:r>
+              <a:rPr lang="ru-RU" dirty="0"/>
+              <a:t> </a:t>
+            </a:r>
+            <a:r>
+              <a:rPr lang="ru-RU" dirty="0" err="1"/>
+              <a:t>ефективності</a:t>
+            </a:r>
+            <a:r>
+              <a:rPr lang="ru-RU" dirty="0"/>
+              <a:t> </a:t>
+            </a:r>
+            <a:r>
+              <a:rPr lang="ru-RU" dirty="0" err="1"/>
+              <a:t>навчальних</a:t>
+            </a:r>
+            <a:r>
+              <a:rPr lang="ru-RU" dirty="0"/>
+              <a:t> </a:t>
+            </a:r>
+            <a:r>
+              <a:rPr lang="ru-RU" dirty="0" err="1"/>
+              <a:t>шляхів</a:t>
+            </a:r>
+            <a:r>
+              <a:rPr lang="ru-RU" dirty="0"/>
+              <a:t>. </a:t>
+            </a:r>
+            <a:endParaRPr lang="en-GB" dirty="0"/>
+          </a:p>
+          <a:p>
+            <a:pPr marL="0" lvl="0" indent="0" algn="l" rtl="0">
+              <a:spcBef>
+                <a:spcPts val="0"/>
+              </a:spcBef>
+              <a:spcAft>
+                <a:spcPts val="0"/>
+              </a:spcAft>
+              <a:buNone/>
+            </a:pPr>
+            <a:r>
+              <a:rPr lang="ru-RU" dirty="0" err="1"/>
+              <a:t>Наприклад</a:t>
+            </a:r>
+            <a:r>
+              <a:rPr lang="ru-RU" dirty="0"/>
+              <a:t>, </a:t>
+            </a:r>
+            <a:r>
+              <a:rPr lang="ru-RU" dirty="0" err="1"/>
+              <a:t>інструмент</a:t>
+            </a:r>
+            <a:r>
+              <a:rPr lang="ru-RU" dirty="0"/>
+              <a:t> </a:t>
+            </a:r>
+            <a:r>
+              <a:rPr lang="en-GB" dirty="0" err="1"/>
+              <a:t>PolyGloT</a:t>
+            </a:r>
+            <a:r>
+              <a:rPr lang="en-GB" dirty="0"/>
+              <a:t> </a:t>
+            </a:r>
+            <a:r>
+              <a:rPr lang="ru-RU" dirty="0" err="1"/>
+              <a:t>дозволяє</a:t>
+            </a:r>
+            <a:r>
+              <a:rPr lang="ru-RU" dirty="0"/>
+              <a:t> </a:t>
+            </a:r>
+            <a:r>
+              <a:rPr lang="ru-RU" dirty="0" err="1"/>
+              <a:t>створювати</a:t>
+            </a:r>
+            <a:r>
+              <a:rPr lang="ru-RU" dirty="0"/>
+              <a:t> </a:t>
+            </a:r>
+            <a:r>
+              <a:rPr lang="ru-RU" dirty="0" err="1"/>
+              <a:t>персоналізовані</a:t>
+            </a:r>
+            <a:r>
+              <a:rPr lang="ru-RU" dirty="0"/>
+              <a:t> шляхи </a:t>
+            </a:r>
+            <a:r>
+              <a:rPr lang="ru-RU" dirty="0" err="1"/>
+              <a:t>навчання</a:t>
+            </a:r>
+            <a:r>
+              <a:rPr lang="ru-RU" dirty="0"/>
+              <a:t> з </a:t>
+            </a:r>
+            <a:r>
+              <a:rPr lang="ru-RU" dirty="0" err="1"/>
+              <a:t>використанням</a:t>
+            </a:r>
+            <a:r>
+              <a:rPr lang="ru-RU" dirty="0"/>
+              <a:t> </a:t>
+            </a:r>
+            <a:r>
+              <a:rPr lang="ru-RU" dirty="0" err="1"/>
+              <a:t>відкритих</a:t>
+            </a:r>
+            <a:r>
+              <a:rPr lang="ru-RU" dirty="0"/>
+              <a:t> </a:t>
+            </a:r>
+            <a:r>
+              <a:rPr lang="ru-RU" dirty="0" err="1"/>
+              <a:t>освітніх</a:t>
+            </a:r>
+            <a:r>
+              <a:rPr lang="ru-RU" dirty="0"/>
+              <a:t> </a:t>
+            </a:r>
+            <a:r>
+              <a:rPr lang="ru-RU" dirty="0" err="1"/>
+              <a:t>ресурсів</a:t>
+            </a:r>
+            <a:r>
+              <a:rPr lang="ru-RU" dirty="0"/>
+              <a:t>.</a:t>
+            </a:r>
+            <a:endParaRPr dirty="0"/>
           </a:p>
         </p:txBody>
       </p:sp>
@@ -1677,7 +3731,327 @@
               </a:spcAft>
               <a:buNone/>
             </a:pPr>
-            <a:endParaRPr/>
+            <a:r>
+              <a:rPr lang="ru-RU" dirty="0" err="1"/>
+              <a:t>Основна</a:t>
+            </a:r>
+            <a:r>
+              <a:rPr lang="ru-RU" dirty="0"/>
+              <a:t> задача — </a:t>
+            </a:r>
+            <a:r>
+              <a:rPr lang="ru-RU" dirty="0" err="1"/>
+              <a:t>дослідити</a:t>
+            </a:r>
+            <a:r>
+              <a:rPr lang="ru-RU" dirty="0"/>
+              <a:t> </a:t>
+            </a:r>
+            <a:r>
+              <a:rPr lang="ru-RU" dirty="0" err="1"/>
+              <a:t>сучасні</a:t>
+            </a:r>
+            <a:r>
+              <a:rPr lang="ru-RU" dirty="0"/>
+              <a:t> </a:t>
+            </a:r>
+            <a:r>
+              <a:rPr lang="ru-RU" dirty="0" err="1"/>
+              <a:t>методи</a:t>
+            </a:r>
+            <a:r>
+              <a:rPr lang="ru-RU" dirty="0"/>
+              <a:t> </a:t>
+            </a:r>
+            <a:r>
+              <a:rPr lang="ru-RU" dirty="0" err="1"/>
+              <a:t>побудови</a:t>
+            </a:r>
+            <a:r>
+              <a:rPr lang="ru-RU" dirty="0"/>
+              <a:t> </a:t>
+            </a:r>
+            <a:r>
+              <a:rPr lang="ru-RU" dirty="0" err="1"/>
+              <a:t>персоналізованих</a:t>
+            </a:r>
+            <a:r>
+              <a:rPr lang="ru-RU" dirty="0"/>
+              <a:t> </a:t>
+            </a:r>
+            <a:r>
+              <a:rPr lang="ru-RU" dirty="0" err="1"/>
+              <a:t>навчальних</a:t>
+            </a:r>
+            <a:r>
+              <a:rPr lang="ru-RU" dirty="0"/>
+              <a:t> </a:t>
+            </a:r>
+            <a:r>
+              <a:rPr lang="ru-RU" dirty="0" err="1"/>
+              <a:t>планів</a:t>
+            </a:r>
+            <a:r>
+              <a:rPr lang="ru-RU" dirty="0"/>
+              <a:t>. </a:t>
+            </a:r>
+            <a:endParaRPr lang="en-GB" dirty="0"/>
+          </a:p>
+          <a:p>
+            <a:pPr marL="0" lvl="0" indent="0" algn="l" rtl="0">
+              <a:spcBef>
+                <a:spcPts val="0"/>
+              </a:spcBef>
+              <a:spcAft>
+                <a:spcPts val="0"/>
+              </a:spcAft>
+              <a:buNone/>
+            </a:pPr>
+            <a:endParaRPr lang="en-GB" dirty="0"/>
+          </a:p>
+          <a:p>
+            <a:pPr marL="0" lvl="0" indent="0" algn="l" rtl="0">
+              <a:spcBef>
+                <a:spcPts val="0"/>
+              </a:spcBef>
+              <a:spcAft>
+                <a:spcPts val="0"/>
+              </a:spcAft>
+              <a:buNone/>
+            </a:pPr>
+            <a:r>
+              <a:rPr lang="ru-RU" dirty="0"/>
+              <a:t>Я </a:t>
+            </a:r>
+            <a:r>
+              <a:rPr lang="ru-RU" dirty="0" err="1"/>
+              <a:t>розробив</a:t>
+            </a:r>
+            <a:r>
+              <a:rPr lang="ru-RU" dirty="0"/>
+              <a:t> систему </a:t>
+            </a:r>
+            <a:r>
+              <a:rPr lang="ru-RU" dirty="0" err="1"/>
+              <a:t>критеріїв</a:t>
+            </a:r>
+            <a:r>
+              <a:rPr lang="ru-RU" dirty="0"/>
+              <a:t> </a:t>
+            </a:r>
+            <a:r>
+              <a:rPr lang="ru-RU" dirty="0" err="1"/>
+              <a:t>оцінки</a:t>
+            </a:r>
+            <a:r>
+              <a:rPr lang="ru-RU" dirty="0"/>
+              <a:t> таких </a:t>
+            </a:r>
+            <a:r>
+              <a:rPr lang="ru-RU" dirty="0" err="1"/>
+              <a:t>планів</a:t>
+            </a:r>
+            <a:r>
+              <a:rPr lang="ru-RU" dirty="0"/>
+              <a:t>: </a:t>
+            </a:r>
+            <a:r>
+              <a:rPr lang="ru-RU" dirty="0" err="1"/>
+              <a:t>адаптивність</a:t>
+            </a:r>
+            <a:r>
+              <a:rPr lang="ru-RU" dirty="0"/>
+              <a:t>, </a:t>
+            </a:r>
+            <a:r>
+              <a:rPr lang="ru-RU" dirty="0" err="1"/>
+              <a:t>релевантність</a:t>
+            </a:r>
+            <a:r>
+              <a:rPr lang="ru-RU" dirty="0"/>
+              <a:t> і </a:t>
+            </a:r>
+            <a:r>
+              <a:rPr lang="ru-RU" dirty="0" err="1"/>
+              <a:t>логічність</a:t>
+            </a:r>
+            <a:r>
+              <a:rPr lang="ru-RU" dirty="0"/>
+              <a:t>. </a:t>
+            </a:r>
+            <a:endParaRPr lang="en-GB" dirty="0"/>
+          </a:p>
+          <a:p>
+            <a:pPr marL="0" lvl="0" indent="0" algn="l" rtl="0">
+              <a:spcBef>
+                <a:spcPts val="0"/>
+              </a:spcBef>
+              <a:spcAft>
+                <a:spcPts val="0"/>
+              </a:spcAft>
+              <a:buNone/>
+            </a:pPr>
+            <a:r>
+              <a:rPr lang="ru-RU" dirty="0"/>
+              <a:t>Також </a:t>
+            </a:r>
+            <a:r>
+              <a:rPr lang="ru-RU" dirty="0" err="1"/>
+              <a:t>провів</a:t>
+            </a:r>
+            <a:r>
+              <a:rPr lang="ru-RU" dirty="0"/>
+              <a:t> </a:t>
+            </a:r>
+            <a:r>
+              <a:rPr lang="ru-RU" dirty="0" err="1"/>
+              <a:t>аналіз</a:t>
+            </a:r>
+            <a:r>
+              <a:rPr lang="ru-RU" dirty="0"/>
+              <a:t> і </a:t>
+            </a:r>
+            <a:r>
+              <a:rPr lang="ru-RU" dirty="0" err="1"/>
+              <a:t>систематизацію</a:t>
+            </a:r>
+            <a:r>
+              <a:rPr lang="ru-RU" dirty="0"/>
+              <a:t> </a:t>
+            </a:r>
+            <a:r>
+              <a:rPr lang="ru-RU" dirty="0" err="1"/>
+              <a:t>результатів</a:t>
+            </a:r>
+            <a:r>
+              <a:rPr lang="ru-RU" dirty="0"/>
+              <a:t>, </a:t>
+            </a:r>
+            <a:r>
+              <a:rPr lang="ru-RU" dirty="0" err="1"/>
+              <a:t>визначив</a:t>
+            </a:r>
+            <a:r>
+              <a:rPr lang="ru-RU" dirty="0"/>
+              <a:t> </a:t>
+            </a:r>
+            <a:r>
+              <a:rPr lang="ru-RU" dirty="0" err="1"/>
+              <a:t>перспективи</a:t>
+            </a:r>
+            <a:r>
+              <a:rPr lang="ru-RU" dirty="0"/>
+              <a:t> </a:t>
+            </a:r>
+            <a:r>
+              <a:rPr lang="ru-RU" dirty="0" err="1"/>
+              <a:t>подальшого</a:t>
+            </a:r>
+            <a:r>
+              <a:rPr lang="ru-RU" dirty="0"/>
+              <a:t> </a:t>
+            </a:r>
+            <a:r>
+              <a:rPr lang="ru-RU" dirty="0" err="1"/>
+              <a:t>розвитку</a:t>
+            </a:r>
+            <a:r>
+              <a:rPr lang="ru-RU" dirty="0"/>
+              <a:t> </a:t>
+            </a:r>
+            <a:r>
+              <a:rPr lang="ru-RU" dirty="0" err="1"/>
+              <a:t>методів</a:t>
+            </a:r>
+            <a:r>
+              <a:rPr lang="ru-RU" dirty="0"/>
+              <a:t>.</a:t>
+            </a:r>
+            <a:endParaRPr lang="en-GB" dirty="0"/>
+          </a:p>
+          <a:p>
+            <a:pPr marL="0" lvl="0" indent="0" algn="l" rtl="0">
+              <a:spcBef>
+                <a:spcPts val="0"/>
+              </a:spcBef>
+              <a:spcAft>
+                <a:spcPts val="0"/>
+              </a:spcAft>
+              <a:buNone/>
+            </a:pPr>
+            <a:endParaRPr lang="en-GB" dirty="0"/>
+          </a:p>
+          <a:p>
+            <a:pPr marL="0" lvl="0" indent="0" algn="l" rtl="0">
+              <a:spcBef>
+                <a:spcPts val="0"/>
+              </a:spcBef>
+              <a:spcAft>
+                <a:spcPts val="0"/>
+              </a:spcAft>
+              <a:buNone/>
+            </a:pPr>
+            <a:r>
+              <a:rPr lang="en-GB" dirty="0"/>
+              <a:t>Notes:</a:t>
+            </a:r>
+            <a:r>
+              <a:rPr lang="ru-RU" dirty="0" err="1"/>
+              <a:t>Що</a:t>
+            </a:r>
+            <a:r>
+              <a:rPr lang="ru-RU" dirty="0"/>
+              <a:t> </a:t>
+            </a:r>
+            <a:r>
+              <a:rPr lang="ru-RU" dirty="0" err="1"/>
+              <a:t>досліджується</a:t>
+            </a:r>
+            <a:r>
+              <a:rPr lang="ru-RU" dirty="0"/>
+              <a:t>: </a:t>
+            </a:r>
+            <a:r>
+              <a:rPr lang="ru-RU" dirty="0" err="1"/>
+              <a:t>методи</a:t>
+            </a:r>
+            <a:r>
+              <a:rPr lang="ru-RU" dirty="0"/>
+              <a:t> + </a:t>
+            </a:r>
+            <a:r>
+              <a:rPr lang="ru-RU" dirty="0" err="1"/>
+              <a:t>оцінка.Критерії</a:t>
+            </a:r>
+            <a:r>
+              <a:rPr lang="ru-RU" dirty="0"/>
+              <a:t>: </a:t>
+            </a:r>
+            <a:r>
+              <a:rPr lang="ru-RU" dirty="0" err="1"/>
+              <a:t>адаптивність</a:t>
+            </a:r>
+            <a:r>
+              <a:rPr lang="ru-RU" dirty="0"/>
+              <a:t>, </a:t>
+            </a:r>
+            <a:r>
+              <a:rPr lang="ru-RU" dirty="0" err="1"/>
+              <a:t>релевантність</a:t>
+            </a:r>
+            <a:r>
+              <a:rPr lang="ru-RU" dirty="0"/>
+              <a:t>, </a:t>
+            </a:r>
+            <a:r>
+              <a:rPr lang="ru-RU" dirty="0" err="1"/>
+              <a:t>логіка</a:t>
+            </a:r>
+            <a:r>
+              <a:rPr lang="ru-RU" dirty="0"/>
+              <a:t>.</a:t>
+            </a:r>
+            <a:endParaRPr dirty="0"/>
           </a:p>
         </p:txBody>
       </p:sp>
@@ -1781,7 +4155,392 @@
               </a:spcAft>
               <a:buNone/>
             </a:pPr>
-            <a:endParaRPr/>
+            <a:r>
+              <a:rPr lang="ru-RU" dirty="0" err="1"/>
+              <a:t>Методологія</a:t>
+            </a:r>
+            <a:r>
+              <a:rPr lang="ru-RU" dirty="0"/>
+              <a:t> </a:t>
+            </a:r>
+            <a:r>
+              <a:rPr lang="ru-RU" dirty="0" err="1"/>
+              <a:t>дослідження</a:t>
+            </a:r>
+            <a:r>
+              <a:rPr lang="ru-RU" dirty="0"/>
+              <a:t> </a:t>
+            </a:r>
+            <a:r>
+              <a:rPr lang="ru-RU" dirty="0" err="1"/>
+              <a:t>включає</a:t>
+            </a:r>
+            <a:r>
+              <a:rPr lang="ru-RU" dirty="0"/>
+              <a:t>:</a:t>
+            </a:r>
+            <a:endParaRPr lang="en-GB" dirty="0"/>
+          </a:p>
+          <a:p>
+            <a:pPr marL="0" lvl="0" indent="0" algn="l" rtl="0">
+              <a:spcBef>
+                <a:spcPts val="0"/>
+              </a:spcBef>
+              <a:spcAft>
+                <a:spcPts val="0"/>
+              </a:spcAft>
+              <a:buNone/>
+            </a:pPr>
+            <a:r>
+              <a:rPr lang="ru-RU" dirty="0" err="1"/>
+              <a:t>Аналіз</a:t>
+            </a:r>
+            <a:r>
+              <a:rPr lang="ru-RU" dirty="0"/>
+              <a:t> </a:t>
+            </a:r>
+            <a:r>
+              <a:rPr lang="ru-RU" dirty="0" err="1"/>
+              <a:t>літератури</a:t>
+            </a:r>
+            <a:r>
+              <a:rPr lang="ru-RU" dirty="0"/>
+              <a:t>.</a:t>
+            </a:r>
+            <a:endParaRPr lang="en-GB" dirty="0"/>
+          </a:p>
+          <a:p>
+            <a:pPr marL="0" lvl="0" indent="0" algn="l" rtl="0">
+              <a:spcBef>
+                <a:spcPts val="0"/>
+              </a:spcBef>
+              <a:spcAft>
+                <a:spcPts val="0"/>
+              </a:spcAft>
+              <a:buNone/>
+            </a:pPr>
+            <a:r>
+              <a:rPr lang="ru-RU" dirty="0" err="1"/>
+              <a:t>Порівняльний</a:t>
+            </a:r>
+            <a:r>
+              <a:rPr lang="ru-RU" dirty="0"/>
+              <a:t> </a:t>
+            </a:r>
+            <a:r>
+              <a:rPr lang="ru-RU" dirty="0" err="1"/>
+              <a:t>аналіз</a:t>
+            </a:r>
+            <a:r>
+              <a:rPr lang="ru-RU" dirty="0"/>
+              <a:t> моделей.</a:t>
+            </a:r>
+            <a:endParaRPr lang="en-GB" dirty="0"/>
+          </a:p>
+          <a:p>
+            <a:pPr marL="0" lvl="0" indent="0" algn="l" rtl="0">
+              <a:spcBef>
+                <a:spcPts val="0"/>
+              </a:spcBef>
+              <a:spcAft>
+                <a:spcPts val="0"/>
+              </a:spcAft>
+              <a:buNone/>
+            </a:pPr>
+            <a:r>
+              <a:rPr lang="ru-RU" dirty="0" err="1"/>
+              <a:t>Багатокритеріальний</a:t>
+            </a:r>
+            <a:r>
+              <a:rPr lang="ru-RU" dirty="0"/>
+              <a:t> </a:t>
+            </a:r>
+            <a:r>
+              <a:rPr lang="ru-RU" dirty="0" err="1"/>
+              <a:t>аналіз</a:t>
+            </a:r>
+            <a:r>
+              <a:rPr lang="ru-RU" dirty="0"/>
+              <a:t>.</a:t>
+            </a:r>
+            <a:endParaRPr lang="en-GB" dirty="0"/>
+          </a:p>
+          <a:p>
+            <a:pPr marL="0" lvl="0" indent="0" algn="l" rtl="0">
+              <a:spcBef>
+                <a:spcPts val="0"/>
+              </a:spcBef>
+              <a:spcAft>
+                <a:spcPts val="0"/>
+              </a:spcAft>
+              <a:buNone/>
+            </a:pPr>
+            <a:r>
+              <a:rPr lang="ru-RU" dirty="0" err="1"/>
+              <a:t>Огляд</a:t>
+            </a:r>
+            <a:r>
+              <a:rPr lang="ru-RU" dirty="0"/>
+              <a:t> </a:t>
+            </a:r>
+            <a:r>
+              <a:rPr lang="ru-RU" dirty="0" err="1"/>
+              <a:t>кейсів</a:t>
+            </a:r>
+            <a:r>
+              <a:rPr lang="ru-RU" dirty="0"/>
+              <a:t>.</a:t>
+            </a:r>
+            <a:endParaRPr lang="en-GB" dirty="0"/>
+          </a:p>
+          <a:p>
+            <a:pPr marL="0" lvl="0" indent="0" algn="l" rtl="0">
+              <a:spcBef>
+                <a:spcPts val="0"/>
+              </a:spcBef>
+              <a:spcAft>
+                <a:spcPts val="0"/>
+              </a:spcAft>
+              <a:buNone/>
+            </a:pPr>
+            <a:r>
+              <a:rPr lang="ru-RU" dirty="0" err="1"/>
+              <a:t>Емпіричне</a:t>
+            </a:r>
+            <a:r>
+              <a:rPr lang="ru-RU" dirty="0"/>
+              <a:t> </a:t>
+            </a:r>
+            <a:r>
+              <a:rPr lang="ru-RU" dirty="0" err="1"/>
+              <a:t>тестування</a:t>
+            </a:r>
+            <a:r>
+              <a:rPr lang="ru-RU" dirty="0"/>
+              <a:t>.</a:t>
+            </a:r>
+            <a:endParaRPr lang="en-GB" dirty="0"/>
+          </a:p>
+          <a:p>
+            <a:pPr marL="0" lvl="0" indent="0" algn="l" rtl="0">
+              <a:spcBef>
+                <a:spcPts val="0"/>
+              </a:spcBef>
+              <a:spcAft>
+                <a:spcPts val="0"/>
+              </a:spcAft>
+              <a:buNone/>
+            </a:pPr>
+            <a:r>
+              <a:rPr lang="ru-RU" dirty="0" err="1"/>
+              <a:t>Інструментарій</a:t>
+            </a:r>
+            <a:r>
+              <a:rPr lang="ru-RU" dirty="0"/>
+              <a:t> — </a:t>
+            </a:r>
+            <a:r>
+              <a:rPr lang="ru-RU" dirty="0" err="1"/>
+              <a:t>великі</a:t>
+            </a:r>
+            <a:r>
+              <a:rPr lang="ru-RU" dirty="0"/>
+              <a:t> </a:t>
+            </a:r>
+            <a:r>
+              <a:rPr lang="ru-RU" dirty="0" err="1"/>
+              <a:t>мовні</a:t>
+            </a:r>
+            <a:r>
+              <a:rPr lang="ru-RU" dirty="0"/>
+              <a:t> </a:t>
+            </a:r>
+            <a:r>
+              <a:rPr lang="ru-RU" dirty="0" err="1"/>
+              <a:t>моделі</a:t>
+            </a:r>
+            <a:r>
+              <a:rPr lang="ru-RU" dirty="0"/>
+              <a:t> (</a:t>
+            </a:r>
+            <a:r>
+              <a:rPr lang="en-GB" dirty="0"/>
+              <a:t>GPT-4o, GPT-4o-mini, GPT-3turbo, GPT-o3-mini)</a:t>
+            </a:r>
+          </a:p>
+          <a:p>
+            <a:pPr marL="0" lvl="0" indent="0" algn="l" rtl="0">
+              <a:spcBef>
+                <a:spcPts val="0"/>
+              </a:spcBef>
+              <a:spcAft>
+                <a:spcPts val="0"/>
+              </a:spcAft>
+              <a:buNone/>
+            </a:pPr>
+            <a:r>
+              <a:rPr lang="en-GB" dirty="0"/>
+              <a:t>, </a:t>
+            </a:r>
+            <a:r>
+              <a:rPr lang="ru-RU" dirty="0" err="1"/>
+              <a:t>згорткове</a:t>
+            </a:r>
+            <a:r>
+              <a:rPr lang="ru-RU" dirty="0"/>
+              <a:t> </a:t>
+            </a:r>
+            <a:r>
+              <a:rPr lang="ru-RU" dirty="0" err="1"/>
+              <a:t>моделювання</a:t>
+            </a:r>
+            <a:r>
+              <a:rPr lang="ru-RU" dirty="0"/>
+              <a:t>, </a:t>
+            </a:r>
+            <a:endParaRPr lang="en-GB" dirty="0"/>
+          </a:p>
+          <a:p>
+            <a:pPr marL="0" lvl="0" indent="0" algn="l" rtl="0">
+              <a:spcBef>
+                <a:spcPts val="0"/>
+              </a:spcBef>
+              <a:spcAft>
+                <a:spcPts val="0"/>
+              </a:spcAft>
+              <a:buNone/>
+            </a:pPr>
+            <a:r>
+              <a:rPr lang="ru-RU" dirty="0"/>
+              <a:t>Парето-</a:t>
+            </a:r>
+            <a:r>
+              <a:rPr lang="ru-RU" dirty="0" err="1"/>
+              <a:t>аналіз</a:t>
+            </a:r>
+            <a:r>
+              <a:rPr lang="ru-RU" dirty="0"/>
+              <a:t>. </a:t>
+            </a:r>
+            <a:endParaRPr lang="en-GB" dirty="0"/>
+          </a:p>
+          <a:p>
+            <a:pPr marL="0" lvl="0" indent="0" algn="l" rtl="0">
+              <a:spcBef>
+                <a:spcPts val="0"/>
+              </a:spcBef>
+              <a:spcAft>
+                <a:spcPts val="0"/>
+              </a:spcAft>
+              <a:buNone/>
+            </a:pPr>
+            <a:r>
+              <a:rPr lang="ru-RU" dirty="0"/>
+              <a:t>Для </a:t>
+            </a:r>
+            <a:r>
+              <a:rPr lang="ru-RU" dirty="0" err="1"/>
+              <a:t>реалізації</a:t>
+            </a:r>
+            <a:r>
+              <a:rPr lang="ru-RU" dirty="0"/>
+              <a:t> </a:t>
+            </a:r>
+            <a:r>
+              <a:rPr lang="ru-RU" dirty="0" err="1"/>
+              <a:t>застосовано</a:t>
+            </a:r>
+            <a:r>
+              <a:rPr lang="ru-RU" dirty="0"/>
+              <a:t> .</a:t>
+            </a:r>
+            <a:r>
+              <a:rPr lang="en-GB" dirty="0"/>
+              <a:t>NET, Angular </a:t>
+            </a:r>
+            <a:r>
+              <a:rPr lang="ru-RU" dirty="0"/>
+              <a:t>та </a:t>
+            </a:r>
+            <a:r>
+              <a:rPr lang="en-GB" dirty="0"/>
+              <a:t>API OpenAI.</a:t>
+            </a:r>
+          </a:p>
+          <a:p>
+            <a:pPr marL="0" lvl="0" indent="0" algn="l" rtl="0">
+              <a:spcBef>
+                <a:spcPts val="0"/>
+              </a:spcBef>
+              <a:spcAft>
+                <a:spcPts val="0"/>
+              </a:spcAft>
+              <a:buNone/>
+            </a:pPr>
+            <a:endParaRPr lang="en-GB" dirty="0"/>
+          </a:p>
+          <a:p>
+            <a:pPr marL="0" lvl="0" indent="0" algn="l" rtl="0">
+              <a:spcBef>
+                <a:spcPts val="0"/>
+              </a:spcBef>
+              <a:spcAft>
+                <a:spcPts val="0"/>
+              </a:spcAft>
+              <a:buNone/>
+            </a:pPr>
+            <a:r>
+              <a:rPr lang="en-GB" dirty="0"/>
+              <a:t>Notes:</a:t>
+            </a:r>
+            <a:r>
+              <a:rPr lang="ru-RU" dirty="0" err="1"/>
+              <a:t>Методи</a:t>
+            </a:r>
+            <a:r>
+              <a:rPr lang="ru-RU" dirty="0"/>
+              <a:t>: </a:t>
+            </a:r>
+            <a:r>
+              <a:rPr lang="ru-RU" dirty="0" err="1"/>
+              <a:t>література</a:t>
+            </a:r>
+            <a:r>
+              <a:rPr lang="ru-RU" dirty="0"/>
+              <a:t> + </a:t>
+            </a:r>
+            <a:r>
+              <a:rPr lang="ru-RU" dirty="0" err="1"/>
+              <a:t>експеримент.Технічна</a:t>
+            </a:r>
+            <a:r>
+              <a:rPr lang="ru-RU" dirty="0"/>
+              <a:t> </a:t>
+            </a:r>
+            <a:r>
+              <a:rPr lang="ru-RU" dirty="0" err="1"/>
+              <a:t>реалізація</a:t>
+            </a:r>
+            <a:r>
+              <a:rPr lang="ru-RU" dirty="0"/>
+              <a:t>: .</a:t>
+            </a:r>
+            <a:r>
+              <a:rPr lang="en-GB" dirty="0"/>
+              <a:t>NET + GPT.</a:t>
+            </a:r>
+          </a:p>
+          <a:p>
+            <a:pPr marL="0" lvl="0" indent="0" algn="l" rtl="0">
+              <a:spcBef>
+                <a:spcPts val="0"/>
+              </a:spcBef>
+              <a:spcAft>
+                <a:spcPts val="0"/>
+              </a:spcAft>
+              <a:buNone/>
+            </a:pPr>
+            <a:endParaRPr dirty="0"/>
           </a:p>
         </p:txBody>
       </p:sp>
@@ -1794,6 +4553,300 @@
 </file>
 
 <file path=ppt/notesSlides/notesSlide6.xml><?xml version="1.0" encoding="utf-8"?>
+<p:notes xmlns:a="http://schemas.openxmlformats.org/drawingml/2006/main" xmlns:r="http://schemas.openxmlformats.org/officeDocument/2006/relationships" xmlns:p="http://schemas.openxmlformats.org/presentationml/2006/main" showMasterSp="0" showMasterPhAnim="0">
+  <p:cSld>
+    <p:spTree>
+      <p:nvGrpSpPr>
+        <p:cNvPr id="1" name="Shape 88">
+          <a:extLst>
+            <a:ext uri="{FF2B5EF4-FFF2-40B4-BE49-F238E27FC236}">
+              <a16:creationId xmlns:a16="http://schemas.microsoft.com/office/drawing/2014/main" id="{5EBAE942-6C94-A0FA-096B-F1A9764DEF1A}"/>
+            </a:ext>
+          </a:extLst>
+        </p:cNvPr>
+        <p:cNvGrpSpPr/>
+        <p:nvPr/>
+      </p:nvGrpSpPr>
+      <p:grpSpPr>
+        <a:xfrm>
+          <a:off x="0" y="0"/>
+          <a:ext cx="0" cy="0"/>
+          <a:chOff x="0" y="0"/>
+          <a:chExt cx="0" cy="0"/>
+        </a:xfrm>
+      </p:grpSpPr>
+      <p:sp>
+        <p:nvSpPr>
+          <p:cNvPr id="89" name="Google Shape;89;g2e16b2adad1_0_12:notes">
+            <a:extLst>
+              <a:ext uri="{FF2B5EF4-FFF2-40B4-BE49-F238E27FC236}">
+                <a16:creationId xmlns:a16="http://schemas.microsoft.com/office/drawing/2014/main" id="{B8AC3285-0DE7-EBC9-FB43-62952E71C3B6}"/>
+              </a:ext>
+            </a:extLst>
+          </p:cNvPr>
+          <p:cNvSpPr>
+            <a:spLocks noGrp="1" noRot="1" noChangeAspect="1"/>
+          </p:cNvSpPr>
+          <p:nvPr>
+            <p:ph type="sldImg" idx="2"/>
+          </p:nvPr>
+        </p:nvSpPr>
+        <p:spPr>
+          <a:xfrm>
+            <a:off x="381000" y="685800"/>
+            <a:ext cx="6096000" cy="3429000"/>
+          </a:xfrm>
+          <a:custGeom>
+            <a:avLst/>
+            <a:gdLst/>
+            <a:ahLst/>
+            <a:cxnLst/>
+            <a:rect l="l" t="t" r="r" b="b"/>
+            <a:pathLst>
+              <a:path w="120000" h="120000" extrusionOk="0">
+                <a:moveTo>
+                  <a:pt x="0" y="0"/>
+                </a:moveTo>
+                <a:lnTo>
+                  <a:pt x="120000" y="0"/>
+                </a:lnTo>
+                <a:lnTo>
+                  <a:pt x="120000" y="120000"/>
+                </a:lnTo>
+                <a:lnTo>
+                  <a:pt x="0" y="120000"/>
+                </a:lnTo>
+                <a:close/>
+              </a:path>
+            </a:pathLst>
+          </a:custGeom>
+        </p:spPr>
+      </p:sp>
+      <p:sp>
+        <p:nvSpPr>
+          <p:cNvPr id="90" name="Google Shape;90;g2e16b2adad1_0_12:notes">
+            <a:extLst>
+              <a:ext uri="{FF2B5EF4-FFF2-40B4-BE49-F238E27FC236}">
+                <a16:creationId xmlns:a16="http://schemas.microsoft.com/office/drawing/2014/main" id="{ADEBC869-9901-B4D1-3E80-002F477CE114}"/>
+              </a:ext>
+            </a:extLst>
+          </p:cNvPr>
+          <p:cNvSpPr txBox="1">
+            <a:spLocks noGrp="1"/>
+          </p:cNvSpPr>
+          <p:nvPr>
+            <p:ph type="body" idx="1"/>
+          </p:nvPr>
+        </p:nvSpPr>
+        <p:spPr>
+          <a:xfrm>
+            <a:off x="685800" y="4343400"/>
+            <a:ext cx="5486400" cy="4114800"/>
+          </a:xfrm>
+          <a:prstGeom prst="rect">
+            <a:avLst/>
+          </a:prstGeom>
+        </p:spPr>
+        <p:txBody>
+          <a:bodyPr spcFirstLastPara="1" wrap="square" lIns="91425" tIns="91425" rIns="91425" bIns="91425" anchor="t" anchorCtr="0">
+            <a:noAutofit/>
+          </a:bodyPr>
+          <a:lstStyle/>
+          <a:p>
+            <a:pPr indent="450215" algn="just">
+              <a:lnSpc>
+                <a:spcPct val="150000"/>
+              </a:lnSpc>
+              <a:buNone/>
+            </a:pPr>
+            <a:r>
+              <a:rPr lang="uk-UA" sz="1800" dirty="0">
+                <a:effectLst/>
+                <a:latin typeface="Times New Roman" panose="02020603050405020304" pitchFamily="18" charset="0"/>
+                <a:ea typeface="Calibri" panose="020F0502020204030204" pitchFamily="34" charset="0"/>
+                <a:cs typeface="Times New Roman" panose="02020603050405020304" pitchFamily="18" charset="0"/>
+              </a:rPr>
+              <a:t>При оцінці ефективності враховуються наступні критерії:</a:t>
+            </a:r>
+            <a:endParaRPr lang="en-GB" sz="1800" dirty="0">
+              <a:effectLst/>
+              <a:latin typeface="Times New Roman" panose="02020603050405020304" pitchFamily="18" charset="0"/>
+              <a:ea typeface="Calibri" panose="020F0502020204030204" pitchFamily="34" charset="0"/>
+              <a:cs typeface="Times New Roman" panose="02020603050405020304" pitchFamily="18" charset="0"/>
+            </a:endParaRPr>
+          </a:p>
+          <a:p>
+            <a:pPr marL="342900" lvl="0" indent="-342900" algn="just">
+              <a:lnSpc>
+                <a:spcPct val="150000"/>
+              </a:lnSpc>
+              <a:buFont typeface="Symbol" panose="05050102010706020507" pitchFamily="18" charset="2"/>
+              <a:buChar char=""/>
+            </a:pPr>
+            <a:r>
+              <a:rPr lang="uk-UA" sz="1800" dirty="0">
+                <a:effectLst/>
+                <a:latin typeface="Times New Roman" panose="02020603050405020304" pitchFamily="18" charset="0"/>
+                <a:ea typeface="Calibri" panose="020F0502020204030204" pitchFamily="34" charset="0"/>
+                <a:cs typeface="Times New Roman" panose="02020603050405020304" pitchFamily="18" charset="0"/>
+              </a:rPr>
+              <a:t>точність плану розвитку; - 2</a:t>
+            </a:r>
+            <a:endParaRPr lang="en-GB" sz="1800" dirty="0">
+              <a:effectLst/>
+              <a:latin typeface="Times New Roman" panose="02020603050405020304" pitchFamily="18" charset="0"/>
+              <a:ea typeface="Calibri" panose="020F0502020204030204" pitchFamily="34" charset="0"/>
+              <a:cs typeface="Times New Roman" panose="02020603050405020304" pitchFamily="18" charset="0"/>
+            </a:endParaRPr>
+          </a:p>
+          <a:p>
+            <a:pPr marL="342900" lvl="0" indent="-342900" algn="just">
+              <a:lnSpc>
+                <a:spcPct val="150000"/>
+              </a:lnSpc>
+              <a:buFont typeface="Symbol" panose="05050102010706020507" pitchFamily="18" charset="2"/>
+              <a:buChar char=""/>
+            </a:pPr>
+            <a:r>
+              <a:rPr lang="uk-UA" sz="1800" dirty="0">
+                <a:effectLst/>
+                <a:latin typeface="Times New Roman" panose="02020603050405020304" pitchFamily="18" charset="0"/>
+                <a:ea typeface="Calibri" panose="020F0502020204030204" pitchFamily="34" charset="0"/>
+                <a:cs typeface="Times New Roman" panose="02020603050405020304" pitchFamily="18" charset="0"/>
+              </a:rPr>
+              <a:t>Адаптивність до прогресу;  -1</a:t>
+            </a:r>
+            <a:endParaRPr lang="en-GB" sz="1800" dirty="0">
+              <a:effectLst/>
+              <a:latin typeface="Times New Roman" panose="02020603050405020304" pitchFamily="18" charset="0"/>
+              <a:ea typeface="Calibri" panose="020F0502020204030204" pitchFamily="34" charset="0"/>
+              <a:cs typeface="Times New Roman" panose="02020603050405020304" pitchFamily="18" charset="0"/>
+            </a:endParaRPr>
+          </a:p>
+          <a:p>
+            <a:pPr marL="342900" lvl="0" indent="-342900" algn="just">
+              <a:lnSpc>
+                <a:spcPct val="150000"/>
+              </a:lnSpc>
+              <a:buFont typeface="Symbol" panose="05050102010706020507" pitchFamily="18" charset="2"/>
+              <a:buChar char=""/>
+            </a:pPr>
+            <a:r>
+              <a:rPr lang="uk-UA" sz="1800" dirty="0">
+                <a:effectLst/>
+                <a:latin typeface="Times New Roman" panose="02020603050405020304" pitchFamily="18" charset="0"/>
+                <a:ea typeface="Calibri" panose="020F0502020204030204" pitchFamily="34" charset="0"/>
+                <a:cs typeface="Times New Roman" panose="02020603050405020304" pitchFamily="18" charset="0"/>
+              </a:rPr>
+              <a:t>масштабованість методу; - 3 (різні групи студентів)</a:t>
+            </a:r>
+            <a:endParaRPr lang="en-GB" sz="1800" dirty="0">
+              <a:effectLst/>
+              <a:latin typeface="Times New Roman" panose="02020603050405020304" pitchFamily="18" charset="0"/>
+              <a:ea typeface="Calibri" panose="020F0502020204030204" pitchFamily="34" charset="0"/>
+              <a:cs typeface="Times New Roman" panose="02020603050405020304" pitchFamily="18" charset="0"/>
+            </a:endParaRPr>
+          </a:p>
+          <a:p>
+            <a:pPr marL="342900" lvl="0" indent="-342900" algn="just">
+              <a:lnSpc>
+                <a:spcPct val="150000"/>
+              </a:lnSpc>
+              <a:buFont typeface="Symbol" panose="05050102010706020507" pitchFamily="18" charset="2"/>
+              <a:buChar char=""/>
+            </a:pPr>
+            <a:r>
+              <a:rPr lang="uk-UA" sz="1800" dirty="0">
+                <a:effectLst/>
+                <a:latin typeface="Times New Roman" panose="02020603050405020304" pitchFamily="18" charset="0"/>
+                <a:ea typeface="Calibri" panose="020F0502020204030204" pitchFamily="34" charset="0"/>
+                <a:cs typeface="Times New Roman" panose="02020603050405020304" pitchFamily="18" charset="0"/>
+              </a:rPr>
+              <a:t>часова ефективність - 4;</a:t>
+            </a:r>
+            <a:endParaRPr lang="en-GB" sz="1800" dirty="0">
+              <a:effectLst/>
+              <a:latin typeface="Times New Roman" panose="02020603050405020304" pitchFamily="18" charset="0"/>
+              <a:ea typeface="Calibri" panose="020F0502020204030204" pitchFamily="34" charset="0"/>
+              <a:cs typeface="Times New Roman" panose="02020603050405020304" pitchFamily="18" charset="0"/>
+            </a:endParaRPr>
+          </a:p>
+          <a:p>
+            <a:pPr marL="342900" lvl="0" indent="-342900" algn="just">
+              <a:lnSpc>
+                <a:spcPct val="150000"/>
+              </a:lnSpc>
+              <a:buFont typeface="Symbol" panose="05050102010706020507" pitchFamily="18" charset="2"/>
+              <a:buChar char=""/>
+            </a:pPr>
+            <a:r>
+              <a:rPr lang="uk-UA" sz="1800" dirty="0">
+                <a:effectLst/>
+                <a:latin typeface="Times New Roman" panose="02020603050405020304" pitchFamily="18" charset="0"/>
+                <a:ea typeface="Calibri" panose="020F0502020204030204" pitchFamily="34" charset="0"/>
+                <a:cs typeface="Times New Roman" panose="02020603050405020304" pitchFamily="18" charset="0"/>
+              </a:rPr>
+              <a:t>емоційний та мотиваційний вплив на студента - 5;</a:t>
+            </a:r>
+            <a:endParaRPr lang="en-GB" sz="1800" dirty="0">
+              <a:effectLst/>
+              <a:latin typeface="Times New Roman" panose="02020603050405020304" pitchFamily="18" charset="0"/>
+              <a:ea typeface="Calibri" panose="020F0502020204030204" pitchFamily="34" charset="0"/>
+              <a:cs typeface="Times New Roman" panose="02020603050405020304" pitchFamily="18" charset="0"/>
+            </a:endParaRPr>
+          </a:p>
+          <a:p>
+            <a:pPr marL="342900" lvl="0" indent="-342900" algn="just">
+              <a:lnSpc>
+                <a:spcPct val="150000"/>
+              </a:lnSpc>
+              <a:buFont typeface="Symbol" panose="05050102010706020507" pitchFamily="18" charset="2"/>
+              <a:buChar char=""/>
+            </a:pPr>
+            <a:r>
+              <a:rPr lang="uk-UA" sz="1800" dirty="0">
+                <a:effectLst/>
+                <a:latin typeface="Times New Roman" panose="02020603050405020304" pitchFamily="18" charset="0"/>
+                <a:ea typeface="Calibri" panose="020F0502020204030204" pitchFamily="34" charset="0"/>
+                <a:cs typeface="Times New Roman" panose="02020603050405020304" pitchFamily="18" charset="0"/>
+              </a:rPr>
+              <a:t>вартість впровадження та підтримки методу - 6.</a:t>
+            </a:r>
+            <a:endParaRPr lang="en-GB" sz="1800" dirty="0">
+              <a:effectLst/>
+              <a:latin typeface="Times New Roman" panose="02020603050405020304" pitchFamily="18" charset="0"/>
+              <a:ea typeface="Calibri" panose="020F0502020204030204" pitchFamily="34" charset="0"/>
+              <a:cs typeface="Times New Roman" panose="02020603050405020304" pitchFamily="18" charset="0"/>
+            </a:endParaRPr>
+          </a:p>
+          <a:p>
+            <a:pPr marL="0" lvl="0" indent="0" algn="l" rtl="0">
+              <a:spcBef>
+                <a:spcPts val="0"/>
+              </a:spcBef>
+              <a:spcAft>
+                <a:spcPts val="0"/>
+              </a:spcAft>
+              <a:buNone/>
+            </a:pPr>
+            <a:endParaRPr lang="en-GB" dirty="0"/>
+          </a:p>
+        </p:txBody>
+      </p:sp>
+    </p:spTree>
+    <p:extLst>
+      <p:ext uri="{BB962C8B-B14F-4D97-AF65-F5344CB8AC3E}">
+        <p14:creationId xmlns:p14="http://schemas.microsoft.com/office/powerpoint/2010/main" val="3638951697"/>
+      </p:ext>
+    </p:extLst>
+  </p:cSld>
+  <p:clrMapOvr>
+    <a:masterClrMapping/>
+  </p:clrMapOvr>
+</p:notes>
+</file>
+
+<file path=ppt/notesSlides/notesSlide7.xml><?xml version="1.0" encoding="utf-8"?>
 <p:notes xmlns:a="http://schemas.openxmlformats.org/drawingml/2006/main" xmlns:r="http://schemas.openxmlformats.org/officeDocument/2006/relationships" xmlns:p="http://schemas.openxmlformats.org/presentationml/2006/main" showMasterSp="0" showMasterPhAnim="0">
   <p:cSld>
     <p:spTree>
@@ -1897,7 +4950,7 @@
 </p:notes>
 </file>
 
-<file path=ppt/notesSlides/notesSlide7.xml><?xml version="1.0" encoding="utf-8"?>
+<file path=ppt/notesSlides/notesSlide8.xml><?xml version="1.0" encoding="utf-8"?>
 <p:notes xmlns:a="http://schemas.openxmlformats.org/drawingml/2006/main" xmlns:r="http://schemas.openxmlformats.org/officeDocument/2006/relationships" xmlns:p="http://schemas.openxmlformats.org/presentationml/2006/main" showMasterSp="0" showMasterPhAnim="0">
   <p:cSld>
     <p:spTree>
@@ -1989,7 +5042,225 @@
               </a:spcAft>
               <a:buNone/>
             </a:pPr>
-            <a:endParaRPr/>
+            <a:r>
+              <a:rPr lang="uk-UA" dirty="0"/>
+              <a:t>- </a:t>
+            </a:r>
+            <a:r>
+              <a:rPr lang="en-GB" dirty="0"/>
+              <a:t>Role Prompting</a:t>
+            </a:r>
+            <a:endParaRPr lang="uk-UA" dirty="0"/>
+          </a:p>
+          <a:p>
+            <a:pPr marL="0" lvl="0" indent="0" algn="l" rtl="0">
+              <a:spcBef>
+                <a:spcPts val="0"/>
+              </a:spcBef>
+              <a:spcAft>
+                <a:spcPts val="0"/>
+              </a:spcAft>
+              <a:buNone/>
+            </a:pPr>
+            <a:r>
+              <a:rPr lang="uk-UA" dirty="0"/>
+              <a:t>- </a:t>
+            </a:r>
+            <a:r>
+              <a:rPr lang="en-GB" dirty="0"/>
+              <a:t>Context Injection / Few-Shot with User Data</a:t>
+            </a:r>
+            <a:endParaRPr lang="uk-UA" dirty="0"/>
+          </a:p>
+          <a:p>
+            <a:pPr marL="0" lvl="0" indent="0" algn="l" rtl="0">
+              <a:spcBef>
+                <a:spcPts val="0"/>
+              </a:spcBef>
+              <a:spcAft>
+                <a:spcPts val="0"/>
+              </a:spcAft>
+              <a:buNone/>
+            </a:pPr>
+            <a:r>
+              <a:rPr lang="uk-UA" dirty="0"/>
+              <a:t>- </a:t>
+            </a:r>
+            <a:r>
+              <a:rPr lang="en-GB" dirty="0"/>
+              <a:t>Output Structuring / Output Formatting</a:t>
+            </a:r>
+            <a:endParaRPr lang="uk-UA" dirty="0"/>
+          </a:p>
+          <a:p>
+            <a:pPr marL="0" lvl="0" indent="0" algn="l" rtl="0">
+              <a:spcBef>
+                <a:spcPts val="0"/>
+              </a:spcBef>
+              <a:spcAft>
+                <a:spcPts val="0"/>
+              </a:spcAft>
+              <a:buNone/>
+            </a:pPr>
+            <a:r>
+              <a:rPr lang="uk-UA" dirty="0"/>
+              <a:t>- </a:t>
+            </a:r>
+            <a:r>
+              <a:rPr lang="en-GB" dirty="0"/>
+              <a:t>Zero-Shot with Structured Constraints</a:t>
+            </a:r>
+            <a:r>
+              <a:rPr lang="uk-UA" dirty="0"/>
+              <a:t> - </a:t>
+            </a:r>
+            <a:r>
+              <a:rPr lang="ru-RU" dirty="0"/>
+              <a:t>Модель не </a:t>
+            </a:r>
+            <a:r>
+              <a:rPr lang="ru-RU" dirty="0" err="1"/>
+              <a:t>отримує</a:t>
+            </a:r>
+            <a:r>
+              <a:rPr lang="ru-RU" dirty="0"/>
+              <a:t> прикладу, </a:t>
+            </a:r>
+            <a:r>
+              <a:rPr lang="ru-RU" dirty="0" err="1"/>
+              <a:t>але</a:t>
+            </a:r>
+            <a:r>
+              <a:rPr lang="ru-RU" dirty="0"/>
+              <a:t> </a:t>
+            </a:r>
+            <a:r>
+              <a:rPr lang="ru-RU" dirty="0" err="1"/>
+              <a:t>має</a:t>
+            </a:r>
+            <a:r>
+              <a:rPr lang="ru-RU" dirty="0"/>
+              <a:t> </a:t>
+            </a:r>
+            <a:r>
+              <a:rPr lang="ru-RU" dirty="0" err="1"/>
+              <a:t>чітко</a:t>
+            </a:r>
+            <a:r>
+              <a:rPr lang="ru-RU" dirty="0"/>
+              <a:t> </a:t>
+            </a:r>
+            <a:r>
+              <a:rPr lang="ru-RU" dirty="0" err="1"/>
+              <a:t>задану</a:t>
+            </a:r>
+            <a:r>
+              <a:rPr lang="ru-RU" dirty="0"/>
+              <a:t> структуру </a:t>
+            </a:r>
+            <a:r>
+              <a:rPr lang="ru-RU" dirty="0" err="1"/>
+              <a:t>відповіді</a:t>
+            </a:r>
+            <a:r>
+              <a:rPr lang="ru-RU" dirty="0"/>
+              <a:t> + </a:t>
+            </a:r>
+            <a:r>
+              <a:rPr lang="ru-RU" dirty="0" err="1"/>
+              <a:t>обмеження</a:t>
+            </a:r>
+            <a:r>
+              <a:rPr lang="ru-RU" dirty="0"/>
+              <a:t> → </a:t>
+            </a:r>
+            <a:r>
+              <a:rPr lang="ru-RU" dirty="0" err="1"/>
+              <a:t>це</a:t>
+            </a:r>
+            <a:r>
+              <a:rPr lang="ru-RU" dirty="0"/>
+              <a:t> </a:t>
+            </a:r>
+            <a:r>
+              <a:rPr lang="en-GB" b="1" dirty="0"/>
+              <a:t>zero-shot prompting </a:t>
+            </a:r>
+            <a:r>
+              <a:rPr lang="ru-RU" b="1" dirty="0" err="1"/>
+              <a:t>із</a:t>
+            </a:r>
+            <a:r>
+              <a:rPr lang="ru-RU" b="1" dirty="0"/>
+              <a:t> </a:t>
+            </a:r>
+            <a:r>
+              <a:rPr lang="ru-RU" b="1" dirty="0" err="1"/>
+              <a:t>суворим</a:t>
+            </a:r>
+            <a:r>
+              <a:rPr lang="ru-RU" b="1" dirty="0"/>
+              <a:t> форматом</a:t>
+            </a:r>
+            <a:r>
+              <a:rPr lang="ru-RU" dirty="0"/>
+              <a:t>.</a:t>
+            </a:r>
+          </a:p>
+          <a:p>
+            <a:pPr marL="0" lvl="0" indent="0" algn="l" rtl="0">
+              <a:spcBef>
+                <a:spcPts val="0"/>
+              </a:spcBef>
+              <a:spcAft>
+                <a:spcPts val="0"/>
+              </a:spcAft>
+              <a:buNone/>
+            </a:pPr>
+            <a:r>
+              <a:rPr lang="uk-UA" dirty="0"/>
+              <a:t>- </a:t>
+            </a:r>
+            <a:r>
+              <a:rPr lang="en-GB" dirty="0"/>
+              <a:t>Semantic Anchoring (</a:t>
+            </a:r>
+            <a:r>
+              <a:rPr lang="ru-RU" dirty="0" err="1"/>
+              <a:t>ключові</a:t>
+            </a:r>
+            <a:r>
+              <a:rPr lang="ru-RU" dirty="0"/>
+              <a:t> слова та </a:t>
+            </a:r>
+            <a:r>
+              <a:rPr lang="ru-RU" dirty="0" err="1"/>
+              <a:t>емодзі</a:t>
+            </a:r>
+            <a:r>
+              <a:rPr lang="ru-RU" dirty="0"/>
+              <a:t>)</a:t>
+            </a:r>
+          </a:p>
+          <a:p>
+            <a:pPr marL="0" lvl="0" indent="0" algn="l" rtl="0">
+              <a:spcBef>
+                <a:spcPts val="0"/>
+              </a:spcBef>
+              <a:spcAft>
+                <a:spcPts val="0"/>
+              </a:spcAft>
+              <a:buNone/>
+            </a:pPr>
+            <a:r>
+              <a:rPr lang="uk-UA" dirty="0"/>
+              <a:t>- </a:t>
+            </a:r>
+            <a:r>
+              <a:rPr lang="en-GB" dirty="0"/>
+              <a:t>Goal-Oriented Prompting</a:t>
+            </a:r>
+            <a:endParaRPr dirty="0"/>
           </a:p>
         </p:txBody>
       </p:sp>
@@ -2001,7 +5272,7 @@
 </p:notes>
 </file>
 
-<file path=ppt/notesSlides/notesSlide8.xml><?xml version="1.0" encoding="utf-8"?>
+<file path=ppt/notesSlides/notesSlide9.xml><?xml version="1.0" encoding="utf-8"?>
 <p:notes xmlns:a="http://schemas.openxmlformats.org/drawingml/2006/main" xmlns:r="http://schemas.openxmlformats.org/officeDocument/2006/relationships" xmlns:p="http://schemas.openxmlformats.org/presentationml/2006/main" showMasterSp="0" showMasterPhAnim="0">
   <p:cSld>
     <p:spTree>
@@ -2121,110 +5392,6 @@
         <p14:creationId xmlns:p14="http://schemas.microsoft.com/office/powerpoint/2010/main" val="3732060571"/>
       </p:ext>
     </p:extLst>
-  </p:cSld>
-  <p:clrMapOvr>
-    <a:masterClrMapping/>
-  </p:clrMapOvr>
-</p:notes>
-</file>
-
-<file path=ppt/notesSlides/notesSlide9.xml><?xml version="1.0" encoding="utf-8"?>
-<p:notes xmlns:a="http://schemas.openxmlformats.org/drawingml/2006/main" xmlns:r="http://schemas.openxmlformats.org/officeDocument/2006/relationships" xmlns:p="http://schemas.openxmlformats.org/presentationml/2006/main" showMasterSp="0" showMasterPhAnim="0">
-  <p:cSld>
-    <p:spTree>
-      <p:nvGrpSpPr>
-        <p:cNvPr id="1" name="Shape 109"/>
-        <p:cNvGrpSpPr/>
-        <p:nvPr/>
-      </p:nvGrpSpPr>
-      <p:grpSpPr>
-        <a:xfrm>
-          <a:off x="0" y="0"/>
-          <a:ext cx="0" cy="0"/>
-          <a:chOff x="0" y="0"/>
-          <a:chExt cx="0" cy="0"/>
-        </a:xfrm>
-      </p:grpSpPr>
-      <p:sp>
-        <p:nvSpPr>
-          <p:cNvPr id="110" name="Google Shape;110;g2e16b2adad1_0_30:notes"/>
-          <p:cNvSpPr>
-            <a:spLocks noGrp="1" noRot="1" noChangeAspect="1"/>
-          </p:cNvSpPr>
-          <p:nvPr>
-            <p:ph type="sldImg" idx="2"/>
-          </p:nvPr>
-        </p:nvSpPr>
-        <p:spPr>
-          <a:xfrm>
-            <a:off x="381000" y="685800"/>
-            <a:ext cx="6096000" cy="3429000"/>
-          </a:xfrm>
-          <a:custGeom>
-            <a:avLst/>
-            <a:gdLst/>
-            <a:ahLst/>
-            <a:cxnLst/>
-            <a:rect l="l" t="t" r="r" b="b"/>
-            <a:pathLst>
-              <a:path w="120000" h="120000" extrusionOk="0">
-                <a:moveTo>
-                  <a:pt x="0" y="0"/>
-                </a:moveTo>
-                <a:lnTo>
-                  <a:pt x="120000" y="0"/>
-                </a:lnTo>
-                <a:lnTo>
-                  <a:pt x="120000" y="120000"/>
-                </a:lnTo>
-                <a:lnTo>
-                  <a:pt x="0" y="120000"/>
-                </a:lnTo>
-                <a:close/>
-              </a:path>
-            </a:pathLst>
-          </a:custGeom>
-        </p:spPr>
-      </p:sp>
-      <p:sp>
-        <p:nvSpPr>
-          <p:cNvPr id="111" name="Google Shape;111;g2e16b2adad1_0_30:notes"/>
-          <p:cNvSpPr txBox="1">
-            <a:spLocks noGrp="1"/>
-          </p:cNvSpPr>
-          <p:nvPr>
-            <p:ph type="body" idx="1"/>
-          </p:nvPr>
-        </p:nvSpPr>
-        <p:spPr>
-          <a:xfrm>
-            <a:off x="685800" y="4343400"/>
-            <a:ext cx="5486400" cy="4114800"/>
-          </a:xfrm>
-          <a:prstGeom prst="rect">
-            <a:avLst/>
-          </a:prstGeom>
-        </p:spPr>
-        <p:txBody>
-          <a:bodyPr spcFirstLastPara="1" wrap="square" lIns="91425" tIns="91425" rIns="91425" bIns="91425" anchor="t" anchorCtr="0">
-            <a:noAutofit/>
-          </a:bodyPr>
-          <a:lstStyle/>
-          <a:p>
-            <a:pPr marL="0" lvl="0" indent="0" algn="l" rtl="0">
-              <a:spcBef>
-                <a:spcPts val="0"/>
-              </a:spcBef>
-              <a:spcAft>
-                <a:spcPts val="0"/>
-              </a:spcAft>
-              <a:buNone/>
-            </a:pPr>
-            <a:endParaRPr/>
-          </a:p>
-        </p:txBody>
-      </p:sp>
-    </p:spTree>
   </p:cSld>
   <p:clrMapOvr>
     <a:masterClrMapping/>
@@ -8094,6 +11261,236 @@
   <p:cSld>
     <p:spTree>
       <p:nvGrpSpPr>
+        <p:cNvPr id="1" name="Shape 112"/>
+        <p:cNvGrpSpPr/>
+        <p:nvPr/>
+      </p:nvGrpSpPr>
+      <p:grpSpPr>
+        <a:xfrm>
+          <a:off x="0" y="0"/>
+          <a:ext cx="0" cy="0"/>
+          <a:chOff x="0" y="0"/>
+          <a:chExt cx="0" cy="0"/>
+        </a:xfrm>
+      </p:grpSpPr>
+      <p:sp>
+        <p:nvSpPr>
+          <p:cNvPr id="113" name="Google Shape;113;p20"/>
+          <p:cNvSpPr txBox="1">
+            <a:spLocks noGrp="1"/>
+          </p:cNvSpPr>
+          <p:nvPr>
+            <p:ph type="title"/>
+          </p:nvPr>
+        </p:nvSpPr>
+        <p:spPr>
+          <a:xfrm>
+            <a:off x="311700" y="-92038"/>
+            <a:ext cx="8520600" cy="831300"/>
+          </a:xfrm>
+          <a:prstGeom prst="rect">
+            <a:avLst/>
+          </a:prstGeom>
+        </p:spPr>
+        <p:txBody>
+          <a:bodyPr spcFirstLastPara="1" wrap="square" lIns="91425" tIns="91425" rIns="91425" bIns="91425" anchor="b" anchorCtr="0">
+            <a:normAutofit/>
+          </a:bodyPr>
+          <a:lstStyle/>
+          <a:p>
+            <a:pPr marL="0" lvl="0" indent="0" algn="l" rtl="0">
+              <a:spcBef>
+                <a:spcPts val="0"/>
+              </a:spcBef>
+              <a:spcAft>
+                <a:spcPts val="0"/>
+              </a:spcAft>
+              <a:buNone/>
+            </a:pPr>
+            <a:r>
+              <a:rPr lang="uk-UA" sz="3200" noProof="1"/>
+              <a:t>Зміст проведеного експерименту</a:t>
+            </a:r>
+          </a:p>
+        </p:txBody>
+      </p:sp>
+      <p:sp>
+        <p:nvSpPr>
+          <p:cNvPr id="114" name="Google Shape;114;p20"/>
+          <p:cNvSpPr txBox="1">
+            <a:spLocks noGrp="1"/>
+          </p:cNvSpPr>
+          <p:nvPr>
+            <p:ph type="body" idx="1"/>
+          </p:nvPr>
+        </p:nvSpPr>
+        <p:spPr>
+          <a:xfrm>
+            <a:off x="311700" y="1005500"/>
+            <a:ext cx="8520600" cy="3354000"/>
+          </a:xfrm>
+          <a:prstGeom prst="rect">
+            <a:avLst/>
+          </a:prstGeom>
+        </p:spPr>
+        <p:txBody>
+          <a:bodyPr spcFirstLastPara="1" wrap="square" lIns="91425" tIns="91425" rIns="91425" bIns="91425" anchor="t" anchorCtr="0">
+            <a:normAutofit/>
+          </a:bodyPr>
+          <a:lstStyle/>
+          <a:p>
+            <a:pPr>
+              <a:buNone/>
+            </a:pPr>
+            <a:r>
+              <a:rPr lang="uk-UA" noProof="1"/>
+              <a:t>Мета:</a:t>
+            </a:r>
+            <a:br>
+              <a:rPr lang="uk-UA" noProof="1"/>
+            </a:br>
+            <a:r>
+              <a:rPr lang="uk-UA" noProof="1"/>
+              <a:t>Порівняти моделі генеративного ШІ для побудови персоналізованих навчальних планів.</a:t>
+            </a:r>
+          </a:p>
+          <a:p>
+            <a:pPr>
+              <a:buNone/>
+            </a:pPr>
+            <a:r>
+              <a:rPr lang="uk-UA" noProof="1"/>
+              <a:t>Методи:</a:t>
+            </a:r>
+          </a:p>
+          <a:p>
+            <a:pPr>
+              <a:buFont typeface="Arial" panose="020B0604020202020204" pitchFamily="34" charset="0"/>
+              <a:buChar char="•"/>
+            </a:pPr>
+            <a:r>
+              <a:rPr lang="uk-UA" noProof="1"/>
+              <a:t>Емпіричне тестування моделей</a:t>
+            </a:r>
+          </a:p>
+          <a:p>
+            <a:pPr>
+              <a:buFont typeface="Arial" panose="020B0604020202020204" pitchFamily="34" charset="0"/>
+              <a:buChar char="•"/>
+            </a:pPr>
+            <a:r>
+              <a:rPr lang="uk-UA" noProof="1"/>
+              <a:t>Збір та аналіз результатів генерації навчального плану</a:t>
+            </a:r>
+          </a:p>
+          <a:p>
+            <a:pPr>
+              <a:buNone/>
+            </a:pPr>
+            <a:r>
+              <a:rPr lang="uk-UA" noProof="1"/>
+              <a:t>Вхідні дані:</a:t>
+            </a:r>
+          </a:p>
+          <a:p>
+            <a:pPr>
+              <a:buFont typeface="Arial" panose="020B0604020202020204" pitchFamily="34" charset="0"/>
+              <a:buChar char="•"/>
+            </a:pPr>
+            <a:r>
+              <a:rPr lang="uk-UA" noProof="1"/>
+              <a:t>Дані профілю користувача (цілі, знання, досвід)</a:t>
+            </a:r>
+          </a:p>
+          <a:p>
+            <a:pPr>
+              <a:buFont typeface="Arial" panose="020B0604020202020204" pitchFamily="34" charset="0"/>
+              <a:buChar char="•"/>
+            </a:pPr>
+            <a:r>
+              <a:rPr lang="uk-UA" noProof="1"/>
+              <a:t>Єдиний запит для всіх моделей</a:t>
+            </a:r>
+          </a:p>
+        </p:txBody>
+      </p:sp>
+      <p:pic>
+        <p:nvPicPr>
+          <p:cNvPr id="115" name="Google Shape;115;p20"/>
+          <p:cNvPicPr preferRelativeResize="0"/>
+          <p:nvPr/>
+        </p:nvPicPr>
+        <p:blipFill>
+          <a:blip r:embed="rId3">
+            <a:alphaModFix/>
+          </a:blip>
+          <a:stretch>
+            <a:fillRect/>
+          </a:stretch>
+        </p:blipFill>
+        <p:spPr>
+          <a:xfrm>
+            <a:off x="268925" y="4359500"/>
+            <a:ext cx="862250" cy="581750"/>
+          </a:xfrm>
+          <a:prstGeom prst="rect">
+            <a:avLst/>
+          </a:prstGeom>
+          <a:noFill/>
+          <a:ln>
+            <a:noFill/>
+          </a:ln>
+        </p:spPr>
+      </p:pic>
+      <p:sp>
+        <p:nvSpPr>
+          <p:cNvPr id="2" name="TextBox 1">
+            <a:extLst>
+              <a:ext uri="{FF2B5EF4-FFF2-40B4-BE49-F238E27FC236}">
+                <a16:creationId xmlns:a16="http://schemas.microsoft.com/office/drawing/2014/main" id="{E8624834-013E-7249-F488-C816A0DA9355}"/>
+              </a:ext>
+            </a:extLst>
+          </p:cNvPr>
+          <p:cNvSpPr txBox="1"/>
+          <p:nvPr/>
+        </p:nvSpPr>
+        <p:spPr>
+          <a:xfrm>
+            <a:off x="8778240" y="4606349"/>
+            <a:ext cx="284052" cy="307777"/>
+          </a:xfrm>
+          <a:prstGeom prst="rect">
+            <a:avLst/>
+          </a:prstGeom>
+          <a:noFill/>
+        </p:spPr>
+        <p:txBody>
+          <a:bodyPr wrap="none" rtlCol="0">
+            <a:spAutoFit/>
+          </a:bodyPr>
+          <a:lstStyle/>
+          <a:p>
+            <a:fld id="{A35EEF41-5B9E-4186-8855-3C8162DCC2D6}" type="slidenum">
+              <a:rPr lang="uk-UA" noProof="1" smtClean="0"/>
+              <a:t>10</a:t>
+            </a:fld>
+            <a:endParaRPr lang="uk-UA" noProof="1"/>
+          </a:p>
+        </p:txBody>
+      </p:sp>
+    </p:spTree>
+  </p:cSld>
+  <p:clrMapOvr>
+    <a:masterClrMapping/>
+  </p:clrMapOvr>
+</p:sld>
+</file>
+
+<file path=ppt/slides/slide11.xml><?xml version="1.0" encoding="utf-8"?>
+<p:sld xmlns:a="http://schemas.openxmlformats.org/drawingml/2006/main" xmlns:r="http://schemas.openxmlformats.org/officeDocument/2006/relationships" xmlns:p="http://schemas.openxmlformats.org/presentationml/2006/main">
+  <p:cSld>
+    <p:spTree>
+      <p:nvGrpSpPr>
         <p:cNvPr id="1" name="Shape 112">
           <a:extLst>
             <a:ext uri="{FF2B5EF4-FFF2-40B4-BE49-F238E27FC236}">
@@ -8304,7 +11701,7 @@
           <a:p>
             <a:fld id="{A35EEF41-5B9E-4186-8855-3C8162DCC2D6}" type="slidenum">
               <a:rPr lang="uk-UA" noProof="1" smtClean="0"/>
-              <a:t>10</a:t>
+              <a:t>11</a:t>
             </a:fld>
             <a:endParaRPr lang="uk-UA" noProof="1"/>
           </a:p>
@@ -8323,7 +11720,7 @@
 </p:sld>
 </file>
 
-<file path=ppt/slides/slide11.xml><?xml version="1.0" encoding="utf-8"?>
+<file path=ppt/slides/slide12.xml><?xml version="1.0" encoding="utf-8"?>
 <p:sld xmlns:a="http://schemas.openxmlformats.org/drawingml/2006/main" xmlns:r="http://schemas.openxmlformats.org/officeDocument/2006/relationships" xmlns:p="http://schemas.openxmlformats.org/presentationml/2006/main">
   <p:cSld>
     <p:spTree>
@@ -8439,7 +11836,7 @@
           <a:p>
             <a:fld id="{A35EEF41-5B9E-4186-8855-3C8162DCC2D6}" type="slidenum">
               <a:rPr lang="uk-UA" noProof="1" smtClean="0"/>
-              <a:t>11</a:t>
+              <a:t>12</a:t>
             </a:fld>
             <a:endParaRPr lang="uk-UA" noProof="1"/>
           </a:p>
@@ -9512,7 +12909,7 @@
 </p:sld>
 </file>
 
-<file path=ppt/slides/slide12.xml><?xml version="1.0" encoding="utf-8"?>
+<file path=ppt/slides/slide13.xml><?xml version="1.0" encoding="utf-8"?>
 <p:sld xmlns:a="http://schemas.openxmlformats.org/drawingml/2006/main" xmlns:r="http://schemas.openxmlformats.org/officeDocument/2006/relationships" xmlns:p="http://schemas.openxmlformats.org/presentationml/2006/main">
   <p:cSld>
     <p:spTree>
@@ -10337,7 +13734,7 @@
           <a:p>
             <a:fld id="{A35EEF41-5B9E-4186-8855-3C8162DCC2D6}" type="slidenum">
               <a:rPr lang="uk-UA" noProof="1" smtClean="0"/>
-              <a:t>12</a:t>
+              <a:t>13</a:t>
             </a:fld>
             <a:endParaRPr lang="uk-UA" noProof="1"/>
           </a:p>
@@ -10533,7 +13930,7 @@
 </p:sld>
 </file>
 
-<file path=ppt/slides/slide13.xml><?xml version="1.0" encoding="utf-8"?>
+<file path=ppt/slides/slide14.xml><?xml version="1.0" encoding="utf-8"?>
 <p:sld xmlns:a="http://schemas.openxmlformats.org/drawingml/2006/main" xmlns:r="http://schemas.openxmlformats.org/officeDocument/2006/relationships" xmlns:p="http://schemas.openxmlformats.org/presentationml/2006/main">
   <p:cSld>
     <p:spTree>
@@ -10649,7 +14046,7 @@
           <a:p>
             <a:fld id="{A35EEF41-5B9E-4186-8855-3C8162DCC2D6}" type="slidenum">
               <a:rPr lang="uk-UA" noProof="1" smtClean="0"/>
-              <a:t>13</a:t>
+              <a:t>14</a:t>
             </a:fld>
             <a:endParaRPr lang="uk-UA" noProof="1"/>
           </a:p>
@@ -10727,7 +14124,7 @@
 </p:sld>
 </file>
 
-<file path=ppt/slides/slide14.xml><?xml version="1.0" encoding="utf-8"?>
+<file path=ppt/slides/slide15.xml><?xml version="1.0" encoding="utf-8"?>
 <p:sld xmlns:a="http://schemas.openxmlformats.org/drawingml/2006/main" xmlns:r="http://schemas.openxmlformats.org/officeDocument/2006/relationships" xmlns:p="http://schemas.openxmlformats.org/presentationml/2006/main">
   <p:cSld>
     <p:spTree>
@@ -10964,13 +14361,166 @@
           <a:p>
             <a:fld id="{A35EEF41-5B9E-4186-8855-3C8162DCC2D6}" type="slidenum">
               <a:rPr lang="uk-UA" noProof="1" smtClean="0"/>
-              <a:t>14</a:t>
+              <a:t>15</a:t>
             </a:fld>
             <a:endParaRPr lang="uk-UA" noProof="1"/>
           </a:p>
         </p:txBody>
       </p:sp>
     </p:spTree>
+  </p:cSld>
+  <p:clrMapOvr>
+    <a:masterClrMapping/>
+  </p:clrMapOvr>
+</p:sld>
+</file>
+
+<file path=ppt/slides/slide16.xml><?xml version="1.0" encoding="utf-8"?>
+<p:sld xmlns:a="http://schemas.openxmlformats.org/drawingml/2006/main" xmlns:r="http://schemas.openxmlformats.org/officeDocument/2006/relationships" xmlns:p="http://schemas.openxmlformats.org/presentationml/2006/main">
+  <p:cSld>
+    <p:spTree>
+      <p:nvGrpSpPr>
+        <p:cNvPr id="1" name="Shape 140">
+          <a:extLst>
+            <a:ext uri="{FF2B5EF4-FFF2-40B4-BE49-F238E27FC236}">
+              <a16:creationId xmlns:a16="http://schemas.microsoft.com/office/drawing/2014/main" id="{A69C3FEB-C246-EAD2-8ECB-FFF61D23486A}"/>
+            </a:ext>
+          </a:extLst>
+        </p:cNvPr>
+        <p:cNvGrpSpPr/>
+        <p:nvPr/>
+      </p:nvGrpSpPr>
+      <p:grpSpPr>
+        <a:xfrm>
+          <a:off x="0" y="0"/>
+          <a:ext cx="0" cy="0"/>
+          <a:chOff x="0" y="0"/>
+          <a:chExt cx="0" cy="0"/>
+        </a:xfrm>
+      </p:grpSpPr>
+      <p:sp>
+        <p:nvSpPr>
+          <p:cNvPr id="141" name="Google Shape;141;p24">
+            <a:extLst>
+              <a:ext uri="{FF2B5EF4-FFF2-40B4-BE49-F238E27FC236}">
+                <a16:creationId xmlns:a16="http://schemas.microsoft.com/office/drawing/2014/main" id="{92681785-52CA-279E-F38C-F65ABD072187}"/>
+              </a:ext>
+            </a:extLst>
+          </p:cNvPr>
+          <p:cNvSpPr txBox="1">
+            <a:spLocks noGrp="1"/>
+          </p:cNvSpPr>
+          <p:nvPr>
+            <p:ph type="title"/>
+          </p:nvPr>
+        </p:nvSpPr>
+        <p:spPr>
+          <a:xfrm>
+            <a:off x="257640" y="1465967"/>
+            <a:ext cx="8520600" cy="831300"/>
+          </a:xfrm>
+          <a:prstGeom prst="rect">
+            <a:avLst/>
+          </a:prstGeom>
+        </p:spPr>
+        <p:txBody>
+          <a:bodyPr spcFirstLastPara="1" wrap="square" lIns="91425" tIns="91425" rIns="91425" bIns="91425" anchor="b" anchorCtr="0">
+            <a:normAutofit/>
+          </a:bodyPr>
+          <a:lstStyle/>
+          <a:p>
+            <a:pPr marL="0" lvl="0" indent="0" algn="l" rtl="0">
+              <a:spcBef>
+                <a:spcPts val="0"/>
+              </a:spcBef>
+              <a:spcAft>
+                <a:spcPts val="0"/>
+              </a:spcAft>
+              <a:buNone/>
+            </a:pPr>
+            <a:r>
+              <a:rPr lang="uk-UA" sz="3200" noProof="1"/>
+              <a:t>Дякую за увагу!</a:t>
+            </a:r>
+          </a:p>
+        </p:txBody>
+      </p:sp>
+      <p:pic>
+        <p:nvPicPr>
+          <p:cNvPr id="143" name="Google Shape;143;p24">
+            <a:extLst>
+              <a:ext uri="{FF2B5EF4-FFF2-40B4-BE49-F238E27FC236}">
+                <a16:creationId xmlns:a16="http://schemas.microsoft.com/office/drawing/2014/main" id="{E0CCE168-8E83-601D-9E7D-C252D052C8A9}"/>
+              </a:ext>
+            </a:extLst>
+          </p:cNvPr>
+          <p:cNvPicPr preferRelativeResize="0"/>
+          <p:nvPr/>
+        </p:nvPicPr>
+        <p:blipFill>
+          <a:blip r:embed="rId3">
+            <a:alphaModFix/>
+          </a:blip>
+          <a:stretch>
+            <a:fillRect/>
+          </a:stretch>
+        </p:blipFill>
+        <p:spPr>
+          <a:xfrm>
+            <a:off x="268925" y="4359500"/>
+            <a:ext cx="862250" cy="581750"/>
+          </a:xfrm>
+          <a:prstGeom prst="rect">
+            <a:avLst/>
+          </a:prstGeom>
+          <a:noFill/>
+          <a:ln>
+            <a:noFill/>
+          </a:ln>
+        </p:spPr>
+      </p:pic>
+      <p:sp>
+        <p:nvSpPr>
+          <p:cNvPr id="2" name="TextBox 1">
+            <a:extLst>
+              <a:ext uri="{FF2B5EF4-FFF2-40B4-BE49-F238E27FC236}">
+                <a16:creationId xmlns:a16="http://schemas.microsoft.com/office/drawing/2014/main" id="{C462C076-1071-3FCF-DF49-389541C175E8}"/>
+              </a:ext>
+            </a:extLst>
+          </p:cNvPr>
+          <p:cNvSpPr txBox="1"/>
+          <p:nvPr/>
+        </p:nvSpPr>
+        <p:spPr>
+          <a:xfrm>
+            <a:off x="8778240" y="4606349"/>
+            <a:ext cx="284052" cy="307777"/>
+          </a:xfrm>
+          <a:prstGeom prst="rect">
+            <a:avLst/>
+          </a:prstGeom>
+          <a:noFill/>
+        </p:spPr>
+        <p:txBody>
+          <a:bodyPr wrap="none" rtlCol="0">
+            <a:spAutoFit/>
+          </a:bodyPr>
+          <a:lstStyle/>
+          <a:p>
+            <a:fld id="{A35EEF41-5B9E-4186-8855-3C8162DCC2D6}" type="slidenum">
+              <a:rPr lang="uk-UA" noProof="1" smtClean="0"/>
+              <a:t>16</a:t>
+            </a:fld>
+            <a:endParaRPr lang="uk-UA" noProof="1"/>
+          </a:p>
+        </p:txBody>
+      </p:sp>
+    </p:spTree>
+    <p:extLst>
+      <p:ext uri="{BB962C8B-B14F-4D97-AF65-F5344CB8AC3E}">
+        <p14:creationId xmlns:p14="http://schemas.microsoft.com/office/powerpoint/2010/main" val="328668309"/>
+      </p:ext>
+    </p:extLst>
   </p:cSld>
   <p:clrMapOvr>
     <a:masterClrMapping/>
@@ -11096,7 +14646,7 @@
             </a:pPr>
             <a:r>
               <a:rPr lang="uk-UA" noProof="1"/>
-              <a:t>Генеративний ШІ, великі мовні моделі (LLM) і Big Data розширюють можливості адаптації</a:t>
+              <a:t>Генеративний ШІ, моделі машинного навчання і Big Data розширюють можливості адаптації</a:t>
             </a:r>
           </a:p>
           <a:p>
@@ -12016,6 +15566,351 @@
   <p:cSld>
     <p:spTree>
       <p:nvGrpSpPr>
+        <p:cNvPr id="1" name="Shape 91">
+          <a:extLst>
+            <a:ext uri="{FF2B5EF4-FFF2-40B4-BE49-F238E27FC236}">
+              <a16:creationId xmlns:a16="http://schemas.microsoft.com/office/drawing/2014/main" id="{18A41D00-5CE3-796D-4D4C-FB97637C550C}"/>
+            </a:ext>
+          </a:extLst>
+        </p:cNvPr>
+        <p:cNvGrpSpPr/>
+        <p:nvPr/>
+      </p:nvGrpSpPr>
+      <p:grpSpPr>
+        <a:xfrm>
+          <a:off x="0" y="0"/>
+          <a:ext cx="0" cy="0"/>
+          <a:chOff x="0" y="0"/>
+          <a:chExt cx="0" cy="0"/>
+        </a:xfrm>
+      </p:grpSpPr>
+      <p:sp>
+        <p:nvSpPr>
+          <p:cNvPr id="92" name="Google Shape;92;p17">
+            <a:extLst>
+              <a:ext uri="{FF2B5EF4-FFF2-40B4-BE49-F238E27FC236}">
+                <a16:creationId xmlns:a16="http://schemas.microsoft.com/office/drawing/2014/main" id="{244EB210-AA51-EB30-ED0F-C30A38C9BD4B}"/>
+              </a:ext>
+            </a:extLst>
+          </p:cNvPr>
+          <p:cNvSpPr txBox="1">
+            <a:spLocks noGrp="1"/>
+          </p:cNvSpPr>
+          <p:nvPr>
+            <p:ph type="title"/>
+          </p:nvPr>
+        </p:nvSpPr>
+        <p:spPr>
+          <a:xfrm>
+            <a:off x="311700" y="-148309"/>
+            <a:ext cx="8520600" cy="831300"/>
+          </a:xfrm>
+          <a:prstGeom prst="rect">
+            <a:avLst/>
+          </a:prstGeom>
+        </p:spPr>
+        <p:txBody>
+          <a:bodyPr spcFirstLastPara="1" wrap="square" lIns="91425" tIns="91425" rIns="91425" bIns="91425" anchor="b" anchorCtr="0">
+            <a:normAutofit/>
+          </a:bodyPr>
+          <a:lstStyle/>
+          <a:p>
+            <a:pPr marL="0" lvl="0" indent="0" algn="l" rtl="0">
+              <a:spcBef>
+                <a:spcPts val="0"/>
+              </a:spcBef>
+              <a:spcAft>
+                <a:spcPts val="0"/>
+              </a:spcAft>
+              <a:buNone/>
+            </a:pPr>
+            <a:r>
+              <a:rPr lang="uk-UA" sz="3200" noProof="1"/>
+              <a:t>Критерії оцінки методів</a:t>
+            </a:r>
+          </a:p>
+        </p:txBody>
+      </p:sp>
+      <p:sp>
+        <p:nvSpPr>
+          <p:cNvPr id="93" name="Google Shape;93;p17">
+            <a:extLst>
+              <a:ext uri="{FF2B5EF4-FFF2-40B4-BE49-F238E27FC236}">
+                <a16:creationId xmlns:a16="http://schemas.microsoft.com/office/drawing/2014/main" id="{29921210-1D8B-9D80-7CD0-68F315A74756}"/>
+              </a:ext>
+            </a:extLst>
+          </p:cNvPr>
+          <p:cNvSpPr txBox="1">
+            <a:spLocks noGrp="1"/>
+          </p:cNvSpPr>
+          <p:nvPr>
+            <p:ph type="body" idx="1"/>
+          </p:nvPr>
+        </p:nvSpPr>
+        <p:spPr>
+          <a:xfrm>
+            <a:off x="311700" y="967670"/>
+            <a:ext cx="8520600" cy="3354000"/>
+          </a:xfrm>
+          <a:prstGeom prst="rect">
+            <a:avLst/>
+          </a:prstGeom>
+        </p:spPr>
+        <p:txBody>
+          <a:bodyPr spcFirstLastPara="1" wrap="square" lIns="91425" tIns="91425" rIns="91425" bIns="91425" anchor="t" anchorCtr="0">
+            <a:normAutofit/>
+          </a:bodyPr>
+          <a:lstStyle/>
+          <a:p>
+            <a:pPr marL="342900" algn="just">
+              <a:lnSpc>
+                <a:spcPct val="150000"/>
+              </a:lnSpc>
+              <a:buFont typeface="Arial" panose="020B0604020202020204" pitchFamily="34" charset="0"/>
+              <a:buChar char="•"/>
+            </a:pPr>
+            <a:r>
+              <a:rPr lang="uk-UA" dirty="0">
+                <a:latin typeface="Times New Roman" panose="02020603050405020304" pitchFamily="18" charset="0"/>
+                <a:ea typeface="Calibri" panose="020F0502020204030204" pitchFamily="34" charset="0"/>
+                <a:cs typeface="Times New Roman" panose="02020603050405020304" pitchFamily="18" charset="0"/>
+              </a:rPr>
+              <a:t>а</a:t>
+            </a:r>
+            <a:r>
+              <a:rPr lang="uk-UA" sz="1800" dirty="0">
+                <a:effectLst/>
+                <a:latin typeface="Times New Roman" panose="02020603050405020304" pitchFamily="18" charset="0"/>
+                <a:ea typeface="Calibri" panose="020F0502020204030204" pitchFamily="34" charset="0"/>
+                <a:cs typeface="Times New Roman" panose="02020603050405020304" pitchFamily="18" charset="0"/>
+              </a:rPr>
+              <a:t>даптивність до прогресу студента;</a:t>
+            </a:r>
+          </a:p>
+          <a:p>
+            <a:pPr marL="342900" lvl="0" indent="-342900" algn="just">
+              <a:lnSpc>
+                <a:spcPct val="150000"/>
+              </a:lnSpc>
+              <a:buFont typeface="Arial" panose="020B0604020202020204" pitchFamily="34" charset="0"/>
+              <a:buChar char="•"/>
+            </a:pPr>
+            <a:r>
+              <a:rPr lang="uk-UA" sz="1800" dirty="0">
+                <a:effectLst/>
+                <a:latin typeface="Times New Roman" panose="02020603050405020304" pitchFamily="18" charset="0"/>
+                <a:ea typeface="Calibri" panose="020F0502020204030204" pitchFamily="34" charset="0"/>
+                <a:cs typeface="Times New Roman" panose="02020603050405020304" pitchFamily="18" charset="0"/>
+              </a:rPr>
+              <a:t>точність плану розвитку;</a:t>
+            </a:r>
+            <a:endParaRPr lang="en-GB" sz="1800" dirty="0">
+              <a:effectLst/>
+              <a:latin typeface="Times New Roman" panose="02020603050405020304" pitchFamily="18" charset="0"/>
+              <a:ea typeface="Calibri" panose="020F0502020204030204" pitchFamily="34" charset="0"/>
+              <a:cs typeface="Times New Roman" panose="02020603050405020304" pitchFamily="18" charset="0"/>
+            </a:endParaRPr>
+          </a:p>
+          <a:p>
+            <a:pPr marL="342900" lvl="0" indent="-342900" algn="just">
+              <a:lnSpc>
+                <a:spcPct val="150000"/>
+              </a:lnSpc>
+              <a:buFont typeface="Arial" panose="020B0604020202020204" pitchFamily="34" charset="0"/>
+              <a:buChar char="•"/>
+            </a:pPr>
+            <a:r>
+              <a:rPr lang="uk-UA" sz="1800" dirty="0">
+                <a:effectLst/>
+                <a:latin typeface="Times New Roman" panose="02020603050405020304" pitchFamily="18" charset="0"/>
+                <a:ea typeface="Calibri" panose="020F0502020204030204" pitchFamily="34" charset="0"/>
+                <a:cs typeface="Times New Roman" panose="02020603050405020304" pitchFamily="18" charset="0"/>
+              </a:rPr>
+              <a:t>масштабованість методу; (різні групи студентів)</a:t>
+            </a:r>
+            <a:endParaRPr lang="en-GB" sz="1800" dirty="0">
+              <a:effectLst/>
+              <a:latin typeface="Times New Roman" panose="02020603050405020304" pitchFamily="18" charset="0"/>
+              <a:ea typeface="Calibri" panose="020F0502020204030204" pitchFamily="34" charset="0"/>
+              <a:cs typeface="Times New Roman" panose="02020603050405020304" pitchFamily="18" charset="0"/>
+            </a:endParaRPr>
+          </a:p>
+          <a:p>
+            <a:pPr marL="342900" lvl="0" indent="-342900" algn="just">
+              <a:lnSpc>
+                <a:spcPct val="150000"/>
+              </a:lnSpc>
+              <a:buFont typeface="Arial" panose="020B0604020202020204" pitchFamily="34" charset="0"/>
+              <a:buChar char="•"/>
+            </a:pPr>
+            <a:r>
+              <a:rPr lang="uk-UA" sz="1800" dirty="0">
+                <a:effectLst/>
+                <a:latin typeface="Times New Roman" panose="02020603050405020304" pitchFamily="18" charset="0"/>
+                <a:ea typeface="Calibri" panose="020F0502020204030204" pitchFamily="34" charset="0"/>
+                <a:cs typeface="Times New Roman" panose="02020603050405020304" pitchFamily="18" charset="0"/>
+              </a:rPr>
+              <a:t>часова ефективність;</a:t>
+            </a:r>
+            <a:endParaRPr lang="en-GB" sz="1800" dirty="0">
+              <a:effectLst/>
+              <a:latin typeface="Times New Roman" panose="02020603050405020304" pitchFamily="18" charset="0"/>
+              <a:ea typeface="Calibri" panose="020F0502020204030204" pitchFamily="34" charset="0"/>
+              <a:cs typeface="Times New Roman" panose="02020603050405020304" pitchFamily="18" charset="0"/>
+            </a:endParaRPr>
+          </a:p>
+          <a:p>
+            <a:pPr marL="342900" lvl="0" indent="-342900" algn="just">
+              <a:lnSpc>
+                <a:spcPct val="150000"/>
+              </a:lnSpc>
+              <a:buFont typeface="Arial" panose="020B0604020202020204" pitchFamily="34" charset="0"/>
+              <a:buChar char="•"/>
+            </a:pPr>
+            <a:r>
+              <a:rPr lang="uk-UA" sz="1800" dirty="0">
+                <a:effectLst/>
+                <a:latin typeface="Times New Roman" panose="02020603050405020304" pitchFamily="18" charset="0"/>
+                <a:ea typeface="Calibri" panose="020F0502020204030204" pitchFamily="34" charset="0"/>
+                <a:cs typeface="Times New Roman" panose="02020603050405020304" pitchFamily="18" charset="0"/>
+              </a:rPr>
+              <a:t>емоційний та мотиваційний вплив на студента;</a:t>
+            </a:r>
+            <a:endParaRPr lang="en-GB" sz="1800" dirty="0">
+              <a:effectLst/>
+              <a:latin typeface="Times New Roman" panose="02020603050405020304" pitchFamily="18" charset="0"/>
+              <a:ea typeface="Calibri" panose="020F0502020204030204" pitchFamily="34" charset="0"/>
+              <a:cs typeface="Times New Roman" panose="02020603050405020304" pitchFamily="18" charset="0"/>
+            </a:endParaRPr>
+          </a:p>
+          <a:p>
+            <a:pPr marL="342900" lvl="0" indent="-342900" algn="just">
+              <a:lnSpc>
+                <a:spcPct val="150000"/>
+              </a:lnSpc>
+              <a:buFont typeface="Arial" panose="020B0604020202020204" pitchFamily="34" charset="0"/>
+              <a:buChar char="•"/>
+            </a:pPr>
+            <a:r>
+              <a:rPr lang="uk-UA" sz="1800" dirty="0">
+                <a:effectLst/>
+                <a:latin typeface="Times New Roman" panose="02020603050405020304" pitchFamily="18" charset="0"/>
+                <a:ea typeface="Calibri" panose="020F0502020204030204" pitchFamily="34" charset="0"/>
+                <a:cs typeface="Times New Roman" panose="02020603050405020304" pitchFamily="18" charset="0"/>
+              </a:rPr>
+              <a:t>вартість впровадження та підтримки методу.</a:t>
+            </a:r>
+            <a:endParaRPr lang="en-GB" sz="1800" dirty="0">
+              <a:effectLst/>
+              <a:latin typeface="Times New Roman" panose="02020603050405020304" pitchFamily="18" charset="0"/>
+              <a:ea typeface="Calibri" panose="020F0502020204030204" pitchFamily="34" charset="0"/>
+              <a:cs typeface="Times New Roman" panose="02020603050405020304" pitchFamily="18" charset="0"/>
+            </a:endParaRPr>
+          </a:p>
+          <a:p>
+            <a:pPr marL="0" lvl="0" indent="0" algn="l" rtl="0">
+              <a:spcBef>
+                <a:spcPts val="1500"/>
+              </a:spcBef>
+              <a:spcAft>
+                <a:spcPts val="1200"/>
+              </a:spcAft>
+              <a:buNone/>
+            </a:pPr>
+            <a:endParaRPr lang="uk-UA" noProof="1">
+              <a:latin typeface="Economica" panose="020B0604020202020204" charset="0"/>
+            </a:endParaRPr>
+          </a:p>
+        </p:txBody>
+      </p:sp>
+      <p:pic>
+        <p:nvPicPr>
+          <p:cNvPr id="94" name="Google Shape;94;p17">
+            <a:extLst>
+              <a:ext uri="{FF2B5EF4-FFF2-40B4-BE49-F238E27FC236}">
+                <a16:creationId xmlns:a16="http://schemas.microsoft.com/office/drawing/2014/main" id="{C4D9F999-D7D2-EF10-9676-4C22706B8A85}"/>
+              </a:ext>
+            </a:extLst>
+          </p:cNvPr>
+          <p:cNvPicPr preferRelativeResize="0"/>
+          <p:nvPr/>
+        </p:nvPicPr>
+        <p:blipFill>
+          <a:blip r:embed="rId3">
+            <a:alphaModFix/>
+          </a:blip>
+          <a:stretch>
+            <a:fillRect/>
+          </a:stretch>
+        </p:blipFill>
+        <p:spPr>
+          <a:xfrm>
+            <a:off x="268925" y="4359500"/>
+            <a:ext cx="862250" cy="581750"/>
+          </a:xfrm>
+          <a:prstGeom prst="rect">
+            <a:avLst/>
+          </a:prstGeom>
+          <a:noFill/>
+          <a:ln>
+            <a:noFill/>
+          </a:ln>
+        </p:spPr>
+      </p:pic>
+      <p:sp>
+        <p:nvSpPr>
+          <p:cNvPr id="2" name="TextBox 1">
+            <a:extLst>
+              <a:ext uri="{FF2B5EF4-FFF2-40B4-BE49-F238E27FC236}">
+                <a16:creationId xmlns:a16="http://schemas.microsoft.com/office/drawing/2014/main" id="{DF7066AA-FC92-AE6A-53AD-D8A51986178F}"/>
+              </a:ext>
+            </a:extLst>
+          </p:cNvPr>
+          <p:cNvSpPr txBox="1"/>
+          <p:nvPr/>
+        </p:nvSpPr>
+        <p:spPr>
+          <a:xfrm>
+            <a:off x="8778240" y="4606349"/>
+            <a:ext cx="284052" cy="307777"/>
+          </a:xfrm>
+          <a:prstGeom prst="rect">
+            <a:avLst/>
+          </a:prstGeom>
+          <a:noFill/>
+        </p:spPr>
+        <p:txBody>
+          <a:bodyPr wrap="none" rtlCol="0">
+            <a:spAutoFit/>
+          </a:bodyPr>
+          <a:lstStyle/>
+          <a:p>
+            <a:fld id="{A35EEF41-5B9E-4186-8855-3C8162DCC2D6}" type="slidenum">
+              <a:rPr lang="uk-UA" noProof="1" smtClean="0"/>
+              <a:t>6</a:t>
+            </a:fld>
+            <a:endParaRPr lang="uk-UA" noProof="1"/>
+          </a:p>
+        </p:txBody>
+      </p:sp>
+    </p:spTree>
+    <p:extLst>
+      <p:ext uri="{BB962C8B-B14F-4D97-AF65-F5344CB8AC3E}">
+        <p14:creationId xmlns:p14="http://schemas.microsoft.com/office/powerpoint/2010/main" val="4103663227"/>
+      </p:ext>
+    </p:extLst>
+  </p:cSld>
+  <p:clrMapOvr>
+    <a:masterClrMapping/>
+  </p:clrMapOvr>
+</p:sld>
+</file>
+
+<file path=ppt/slides/slide7.xml><?xml version="1.0" encoding="utf-8"?>
+<p:sld xmlns:a="http://schemas.openxmlformats.org/drawingml/2006/main" xmlns:r="http://schemas.openxmlformats.org/officeDocument/2006/relationships" xmlns:p="http://schemas.openxmlformats.org/presentationml/2006/main">
+  <p:cSld>
+    <p:spTree>
+      <p:nvGrpSpPr>
         <p:cNvPr id="1" name="Shape 98"/>
         <p:cNvGrpSpPr/>
         <p:nvPr/>
@@ -12127,7 +16022,7 @@
           <a:p>
             <a:fld id="{A35EEF41-5B9E-4186-8855-3C8162DCC2D6}" type="slidenum">
               <a:rPr lang="uk-UA" noProof="1" smtClean="0"/>
-              <a:t>6</a:t>
+              <a:t>7</a:t>
             </a:fld>
             <a:endParaRPr lang="uk-UA" noProof="1"/>
           </a:p>
@@ -12187,7 +16082,7 @@
 </p:sld>
 </file>
 
-<file path=ppt/slides/slide7.xml><?xml version="1.0" encoding="utf-8"?>
+<file path=ppt/slides/slide8.xml><?xml version="1.0" encoding="utf-8"?>
 <p:sld xmlns:a="http://schemas.openxmlformats.org/drawingml/2006/main" xmlns:r="http://schemas.openxmlformats.org/officeDocument/2006/relationships" xmlns:p="http://schemas.openxmlformats.org/presentationml/2006/main">
   <p:cSld>
     <p:spTree>
@@ -12303,7 +16198,7 @@
           <a:p>
             <a:fld id="{A35EEF41-5B9E-4186-8855-3C8162DCC2D6}" type="slidenum">
               <a:rPr lang="uk-UA" noProof="1" smtClean="0"/>
-              <a:t>7</a:t>
+              <a:t>8</a:t>
             </a:fld>
             <a:endParaRPr lang="uk-UA" noProof="1"/>
           </a:p>
@@ -12360,7 +16255,7 @@
 </p:sld>
 </file>
 
-<file path=ppt/slides/slide8.xml><?xml version="1.0" encoding="utf-8"?>
+<file path=ppt/slides/slide9.xml><?xml version="1.0" encoding="utf-8"?>
 <p:sld xmlns:a="http://schemas.openxmlformats.org/drawingml/2006/main" xmlns:r="http://schemas.openxmlformats.org/officeDocument/2006/relationships" xmlns:p="http://schemas.openxmlformats.org/presentationml/2006/main">
   <p:cSld>
     <p:spTree>
@@ -12494,7 +16389,7 @@
           <a:p>
             <a:fld id="{A35EEF41-5B9E-4186-8855-3C8162DCC2D6}" type="slidenum">
               <a:rPr lang="uk-UA" noProof="1" smtClean="0"/>
-              <a:t>8</a:t>
+              <a:t>9</a:t>
             </a:fld>
             <a:endParaRPr lang="uk-UA" noProof="1"/>
           </a:p>
@@ -12580,236 +16475,6 @@
         <p14:creationId xmlns:p14="http://schemas.microsoft.com/office/powerpoint/2010/main" val="816601963"/>
       </p:ext>
     </p:extLst>
-  </p:cSld>
-  <p:clrMapOvr>
-    <a:masterClrMapping/>
-  </p:clrMapOvr>
-</p:sld>
-</file>
-
-<file path=ppt/slides/slide9.xml><?xml version="1.0" encoding="utf-8"?>
-<p:sld xmlns:a="http://schemas.openxmlformats.org/drawingml/2006/main" xmlns:r="http://schemas.openxmlformats.org/officeDocument/2006/relationships" xmlns:p="http://schemas.openxmlformats.org/presentationml/2006/main">
-  <p:cSld>
-    <p:spTree>
-      <p:nvGrpSpPr>
-        <p:cNvPr id="1" name="Shape 112"/>
-        <p:cNvGrpSpPr/>
-        <p:nvPr/>
-      </p:nvGrpSpPr>
-      <p:grpSpPr>
-        <a:xfrm>
-          <a:off x="0" y="0"/>
-          <a:ext cx="0" cy="0"/>
-          <a:chOff x="0" y="0"/>
-          <a:chExt cx="0" cy="0"/>
-        </a:xfrm>
-      </p:grpSpPr>
-      <p:sp>
-        <p:nvSpPr>
-          <p:cNvPr id="113" name="Google Shape;113;p20"/>
-          <p:cNvSpPr txBox="1">
-            <a:spLocks noGrp="1"/>
-          </p:cNvSpPr>
-          <p:nvPr>
-            <p:ph type="title"/>
-          </p:nvPr>
-        </p:nvSpPr>
-        <p:spPr>
-          <a:xfrm>
-            <a:off x="311700" y="-92038"/>
-            <a:ext cx="8520600" cy="831300"/>
-          </a:xfrm>
-          <a:prstGeom prst="rect">
-            <a:avLst/>
-          </a:prstGeom>
-        </p:spPr>
-        <p:txBody>
-          <a:bodyPr spcFirstLastPara="1" wrap="square" lIns="91425" tIns="91425" rIns="91425" bIns="91425" anchor="b" anchorCtr="0">
-            <a:normAutofit/>
-          </a:bodyPr>
-          <a:lstStyle/>
-          <a:p>
-            <a:pPr marL="0" lvl="0" indent="0" algn="l" rtl="0">
-              <a:spcBef>
-                <a:spcPts val="0"/>
-              </a:spcBef>
-              <a:spcAft>
-                <a:spcPts val="0"/>
-              </a:spcAft>
-              <a:buNone/>
-            </a:pPr>
-            <a:r>
-              <a:rPr lang="uk-UA" sz="3200" noProof="1"/>
-              <a:t>Зміст проведеного експерименту</a:t>
-            </a:r>
-          </a:p>
-        </p:txBody>
-      </p:sp>
-      <p:sp>
-        <p:nvSpPr>
-          <p:cNvPr id="114" name="Google Shape;114;p20"/>
-          <p:cNvSpPr txBox="1">
-            <a:spLocks noGrp="1"/>
-          </p:cNvSpPr>
-          <p:nvPr>
-            <p:ph type="body" idx="1"/>
-          </p:nvPr>
-        </p:nvSpPr>
-        <p:spPr>
-          <a:xfrm>
-            <a:off x="311700" y="1005500"/>
-            <a:ext cx="8520600" cy="3354000"/>
-          </a:xfrm>
-          <a:prstGeom prst="rect">
-            <a:avLst/>
-          </a:prstGeom>
-        </p:spPr>
-        <p:txBody>
-          <a:bodyPr spcFirstLastPara="1" wrap="square" lIns="91425" tIns="91425" rIns="91425" bIns="91425" anchor="t" anchorCtr="0">
-            <a:normAutofit/>
-          </a:bodyPr>
-          <a:lstStyle/>
-          <a:p>
-            <a:pPr>
-              <a:buNone/>
-            </a:pPr>
-            <a:r>
-              <a:rPr lang="uk-UA" noProof="1"/>
-              <a:t>Мета:</a:t>
-            </a:r>
-            <a:br>
-              <a:rPr lang="uk-UA" noProof="1"/>
-            </a:br>
-            <a:r>
-              <a:rPr lang="uk-UA" noProof="1"/>
-              <a:t>Порівняти моделі генеративного ШІ для побудови персоналізованих навчальних планів.</a:t>
-            </a:r>
-          </a:p>
-          <a:p>
-            <a:pPr>
-              <a:buNone/>
-            </a:pPr>
-            <a:r>
-              <a:rPr lang="uk-UA" noProof="1"/>
-              <a:t>Методи:</a:t>
-            </a:r>
-          </a:p>
-          <a:p>
-            <a:pPr>
-              <a:buFont typeface="Arial" panose="020B0604020202020204" pitchFamily="34" charset="0"/>
-              <a:buChar char="•"/>
-            </a:pPr>
-            <a:r>
-              <a:rPr lang="uk-UA" noProof="1"/>
-              <a:t>Емпіричне тестування моделей</a:t>
-            </a:r>
-          </a:p>
-          <a:p>
-            <a:pPr>
-              <a:buFont typeface="Arial" panose="020B0604020202020204" pitchFamily="34" charset="0"/>
-              <a:buChar char="•"/>
-            </a:pPr>
-            <a:r>
-              <a:rPr lang="uk-UA" noProof="1"/>
-              <a:t>Збір та аналіз результатів генерації навчального плану</a:t>
-            </a:r>
-          </a:p>
-          <a:p>
-            <a:pPr>
-              <a:buNone/>
-            </a:pPr>
-            <a:r>
-              <a:rPr lang="uk-UA" noProof="1"/>
-              <a:t>Вхідні дані:</a:t>
-            </a:r>
-          </a:p>
-          <a:p>
-            <a:pPr>
-              <a:buFont typeface="Arial" panose="020B0604020202020204" pitchFamily="34" charset="0"/>
-              <a:buChar char="•"/>
-            </a:pPr>
-            <a:r>
-              <a:rPr lang="uk-UA" noProof="1"/>
-              <a:t>Дані профілю користувача (цілі, знання, досвід)</a:t>
-            </a:r>
-          </a:p>
-          <a:p>
-            <a:pPr>
-              <a:buFont typeface="Arial" panose="020B0604020202020204" pitchFamily="34" charset="0"/>
-              <a:buChar char="•"/>
-            </a:pPr>
-            <a:r>
-              <a:rPr lang="uk-UA" noProof="1"/>
-              <a:t>Єдиний запит для всіх моделей</a:t>
-            </a:r>
-          </a:p>
-        </p:txBody>
-      </p:sp>
-      <p:pic>
-        <p:nvPicPr>
-          <p:cNvPr id="115" name="Google Shape;115;p20"/>
-          <p:cNvPicPr preferRelativeResize="0"/>
-          <p:nvPr/>
-        </p:nvPicPr>
-        <p:blipFill>
-          <a:blip r:embed="rId3">
-            <a:alphaModFix/>
-          </a:blip>
-          <a:stretch>
-            <a:fillRect/>
-          </a:stretch>
-        </p:blipFill>
-        <p:spPr>
-          <a:xfrm>
-            <a:off x="268925" y="4359500"/>
-            <a:ext cx="862250" cy="581750"/>
-          </a:xfrm>
-          <a:prstGeom prst="rect">
-            <a:avLst/>
-          </a:prstGeom>
-          <a:noFill/>
-          <a:ln>
-            <a:noFill/>
-          </a:ln>
-        </p:spPr>
-      </p:pic>
-      <p:sp>
-        <p:nvSpPr>
-          <p:cNvPr id="2" name="TextBox 1">
-            <a:extLst>
-              <a:ext uri="{FF2B5EF4-FFF2-40B4-BE49-F238E27FC236}">
-                <a16:creationId xmlns:a16="http://schemas.microsoft.com/office/drawing/2014/main" id="{E8624834-013E-7249-F488-C816A0DA9355}"/>
-              </a:ext>
-            </a:extLst>
-          </p:cNvPr>
-          <p:cNvSpPr txBox="1"/>
-          <p:nvPr/>
-        </p:nvSpPr>
-        <p:spPr>
-          <a:xfrm>
-            <a:off x="8778240" y="4606349"/>
-            <a:ext cx="284052" cy="307777"/>
-          </a:xfrm>
-          <a:prstGeom prst="rect">
-            <a:avLst/>
-          </a:prstGeom>
-          <a:noFill/>
-        </p:spPr>
-        <p:txBody>
-          <a:bodyPr wrap="none" rtlCol="0">
-            <a:spAutoFit/>
-          </a:bodyPr>
-          <a:lstStyle/>
-          <a:p>
-            <a:fld id="{A35EEF41-5B9E-4186-8855-3C8162DCC2D6}" type="slidenum">
-              <a:rPr lang="uk-UA" noProof="1" smtClean="0"/>
-              <a:t>9</a:t>
-            </a:fld>
-            <a:endParaRPr lang="uk-UA" noProof="1"/>
-          </a:p>
-        </p:txBody>
-      </p:sp>
-    </p:spTree>
   </p:cSld>
   <p:clrMapOvr>
     <a:masterClrMapping/>
